--- a/Otros/Modelo Canvas/Modelo Canvas.pptx
+++ b/Otros/Modelo Canvas/Modelo Canvas.pptx
@@ -6,7 +6,15 @@
   </p:sldMasterIdLst>
   <p:sldIdLst>
     <p:sldId id="256" r:id="rId2"/>
-    <p:sldId id="257" r:id="rId3"/>
+    <p:sldId id="258" r:id="rId3"/>
+    <p:sldId id="259" r:id="rId4"/>
+    <p:sldId id="260" r:id="rId5"/>
+    <p:sldId id="261" r:id="rId6"/>
+    <p:sldId id="262" r:id="rId7"/>
+    <p:sldId id="263" r:id="rId8"/>
+    <p:sldId id="264" r:id="rId9"/>
+    <p:sldId id="265" r:id="rId10"/>
+    <p:sldId id="266" r:id="rId11"/>
   </p:sldIdLst>
   <p:sldSz cx="12192000" cy="6858000"/>
   <p:notesSz cx="6858000" cy="9144000"/>
@@ -266,7 +274,7 @@
           <a:p>
             <a:fld id="{ABC5116C-33AB-4441-B1B5-45FC3E9A72D4}" type="datetimeFigureOut">
               <a:rPr lang="es-MX" smtClean="0"/>
-              <a:t>27/01/2018</a:t>
+              <a:t>29/01/2018</a:t>
             </a:fld>
             <a:endParaRPr lang="es-MX"/>
           </a:p>
@@ -466,7 +474,7 @@
           <a:p>
             <a:fld id="{ABC5116C-33AB-4441-B1B5-45FC3E9A72D4}" type="datetimeFigureOut">
               <a:rPr lang="es-MX" smtClean="0"/>
-              <a:t>27/01/2018</a:t>
+              <a:t>29/01/2018</a:t>
             </a:fld>
             <a:endParaRPr lang="es-MX"/>
           </a:p>
@@ -676,7 +684,7 @@
           <a:p>
             <a:fld id="{ABC5116C-33AB-4441-B1B5-45FC3E9A72D4}" type="datetimeFigureOut">
               <a:rPr lang="es-MX" smtClean="0"/>
-              <a:t>27/01/2018</a:t>
+              <a:t>29/01/2018</a:t>
             </a:fld>
             <a:endParaRPr lang="es-MX"/>
           </a:p>
@@ -876,7 +884,7 @@
           <a:p>
             <a:fld id="{ABC5116C-33AB-4441-B1B5-45FC3E9A72D4}" type="datetimeFigureOut">
               <a:rPr lang="es-MX" smtClean="0"/>
-              <a:t>27/01/2018</a:t>
+              <a:t>29/01/2018</a:t>
             </a:fld>
             <a:endParaRPr lang="es-MX"/>
           </a:p>
@@ -1152,7 +1160,7 @@
           <a:p>
             <a:fld id="{ABC5116C-33AB-4441-B1B5-45FC3E9A72D4}" type="datetimeFigureOut">
               <a:rPr lang="es-MX" smtClean="0"/>
-              <a:t>27/01/2018</a:t>
+              <a:t>29/01/2018</a:t>
             </a:fld>
             <a:endParaRPr lang="es-MX"/>
           </a:p>
@@ -1420,7 +1428,7 @@
           <a:p>
             <a:fld id="{ABC5116C-33AB-4441-B1B5-45FC3E9A72D4}" type="datetimeFigureOut">
               <a:rPr lang="es-MX" smtClean="0"/>
-              <a:t>27/01/2018</a:t>
+              <a:t>29/01/2018</a:t>
             </a:fld>
             <a:endParaRPr lang="es-MX"/>
           </a:p>
@@ -1835,7 +1843,7 @@
           <a:p>
             <a:fld id="{ABC5116C-33AB-4441-B1B5-45FC3E9A72D4}" type="datetimeFigureOut">
               <a:rPr lang="es-MX" smtClean="0"/>
-              <a:t>27/01/2018</a:t>
+              <a:t>29/01/2018</a:t>
             </a:fld>
             <a:endParaRPr lang="es-MX"/>
           </a:p>
@@ -1977,7 +1985,7 @@
           <a:p>
             <a:fld id="{ABC5116C-33AB-4441-B1B5-45FC3E9A72D4}" type="datetimeFigureOut">
               <a:rPr lang="es-MX" smtClean="0"/>
-              <a:t>27/01/2018</a:t>
+              <a:t>29/01/2018</a:t>
             </a:fld>
             <a:endParaRPr lang="es-MX"/>
           </a:p>
@@ -2090,7 +2098,7 @@
           <a:p>
             <a:fld id="{ABC5116C-33AB-4441-B1B5-45FC3E9A72D4}" type="datetimeFigureOut">
               <a:rPr lang="es-MX" smtClean="0"/>
-              <a:t>27/01/2018</a:t>
+              <a:t>29/01/2018</a:t>
             </a:fld>
             <a:endParaRPr lang="es-MX"/>
           </a:p>
@@ -2403,7 +2411,7 @@
           <a:p>
             <a:fld id="{ABC5116C-33AB-4441-B1B5-45FC3E9A72D4}" type="datetimeFigureOut">
               <a:rPr lang="es-MX" smtClean="0"/>
-              <a:t>27/01/2018</a:t>
+              <a:t>29/01/2018</a:t>
             </a:fld>
             <a:endParaRPr lang="es-MX"/>
           </a:p>
@@ -2692,7 +2700,7 @@
           <a:p>
             <a:fld id="{ABC5116C-33AB-4441-B1B5-45FC3E9A72D4}" type="datetimeFigureOut">
               <a:rPr lang="es-MX" smtClean="0"/>
-              <a:t>27/01/2018</a:t>
+              <a:t>29/01/2018</a:t>
             </a:fld>
             <a:endParaRPr lang="es-MX"/>
           </a:p>
@@ -2935,7 +2943,7 @@
           <a:p>
             <a:fld id="{ABC5116C-33AB-4441-B1B5-45FC3E9A72D4}" type="datetimeFigureOut">
               <a:rPr lang="es-MX" smtClean="0"/>
-              <a:t>27/01/2018</a:t>
+              <a:t>29/01/2018</a:t>
             </a:fld>
             <a:endParaRPr lang="es-MX"/>
           </a:p>
@@ -3531,15 +3539,10 @@
           <a:p>
             <a:pPr algn="ctr"/>
             <a:r>
-              <a:rPr lang="es-MX" sz="4000" b="1" dirty="0">
-                <a:solidFill>
-                  <a:schemeClr val="bg2">
-                    <a:lumMod val="25000"/>
-                  </a:schemeClr>
-                </a:solidFill>
-                <a:latin typeface="Century Gothic" panose="020B0502020202020204" pitchFamily="34" charset="0"/>
-              </a:rPr>
-              <a:t>Collar Localizador GPS y Dispensador Automático</a:t>
+              <a:rPr lang="en-US" sz="4000" b="1" dirty="0">
+                <a:latin typeface="Century Gothic" panose="020B0502020202020204" pitchFamily="34" charset="0"/>
+              </a:rPr>
+              <a:t>GPS Locator Collar and Automatic Dispenser</a:t>
             </a:r>
             <a:endParaRPr lang="en-US" sz="4000" b="1" dirty="0">
               <a:solidFill>
@@ -3556,6 +3559,219 @@
     <p:extLst>
       <p:ext uri="{BB962C8B-B14F-4D97-AF65-F5344CB8AC3E}">
         <p14:creationId xmlns:p14="http://schemas.microsoft.com/office/powerpoint/2010/main" val="3987983556"/>
+      </p:ext>
+    </p:extLst>
+  </p:cSld>
+  <p:clrMapOvr>
+    <a:masterClrMapping/>
+  </p:clrMapOvr>
+</p:sld>
+</file>
+
+<file path=ppt/slides/slide10.xml><?xml version="1.0" encoding="utf-8"?>
+<p:sld xmlns:a="http://schemas.openxmlformats.org/drawingml/2006/main" xmlns:r="http://schemas.openxmlformats.org/officeDocument/2006/relationships" xmlns:p="http://schemas.openxmlformats.org/presentationml/2006/main">
+  <p:cSld>
+    <p:bg>
+      <p:bgPr>
+        <a:blipFill>
+          <a:blip r:embed="rId2"/>
+          <a:tile tx="0" ty="0" sx="100000" sy="100000" flip="none" algn="tl"/>
+        </a:blipFill>
+        <a:effectLst/>
+      </p:bgPr>
+    </p:bg>
+    <p:spTree>
+      <p:nvGrpSpPr>
+        <p:cNvPr id="1" name=""/>
+        <p:cNvGrpSpPr/>
+        <p:nvPr/>
+      </p:nvGrpSpPr>
+      <p:grpSpPr>
+        <a:xfrm>
+          <a:off x="0" y="0"/>
+          <a:ext cx="0" cy="0"/>
+          <a:chOff x="0" y="0"/>
+          <a:chExt cx="0" cy="0"/>
+        </a:xfrm>
+      </p:grpSpPr>
+      <p:sp>
+        <p:nvSpPr>
+          <p:cNvPr id="4" name="Rectángulo: esquinas redondeadas 3">
+            <a:extLst>
+              <a:ext uri="{FF2B5EF4-FFF2-40B4-BE49-F238E27FC236}">
+                <a16:creationId xmlns:a16="http://schemas.microsoft.com/office/drawing/2014/main" id="{4433EFD9-CF97-4A70-B0E6-26B446D9E1BA}"/>
+              </a:ext>
+            </a:extLst>
+          </p:cNvPr>
+          <p:cNvSpPr/>
+          <p:nvPr/>
+        </p:nvSpPr>
+        <p:spPr>
+          <a:xfrm>
+            <a:off x="622852" y="357809"/>
+            <a:ext cx="11105322" cy="6135756"/>
+          </a:xfrm>
+          <a:prstGeom prst="roundRect">
+            <a:avLst/>
+          </a:prstGeom>
+          <a:solidFill>
+            <a:schemeClr val="bg1"/>
+          </a:solidFill>
+          <a:ln>
+            <a:solidFill>
+              <a:schemeClr val="accent2"/>
+            </a:solidFill>
+          </a:ln>
+        </p:spPr>
+        <p:style>
+          <a:lnRef idx="2">
+            <a:schemeClr val="accent1">
+              <a:shade val="50000"/>
+            </a:schemeClr>
+          </a:lnRef>
+          <a:fillRef idx="1">
+            <a:schemeClr val="accent1"/>
+          </a:fillRef>
+          <a:effectRef idx="0">
+            <a:schemeClr val="accent1"/>
+          </a:effectRef>
+          <a:fontRef idx="minor">
+            <a:schemeClr val="lt1"/>
+          </a:fontRef>
+        </p:style>
+        <p:txBody>
+          <a:bodyPr rtlCol="0" anchor="ctr"/>
+          <a:lstStyle/>
+          <a:p>
+            <a:pPr algn="ctr"/>
+            <a:endParaRPr lang="es-MX"/>
+          </a:p>
+        </p:txBody>
+      </p:sp>
+      <p:sp>
+        <p:nvSpPr>
+          <p:cNvPr id="5" name="TextBox 21">
+            <a:extLst>
+              <a:ext uri="{FF2B5EF4-FFF2-40B4-BE49-F238E27FC236}">
+                <a16:creationId xmlns:a16="http://schemas.microsoft.com/office/drawing/2014/main" id="{192ACB32-D954-4703-A950-39EEF604D758}"/>
+              </a:ext>
+            </a:extLst>
+          </p:cNvPr>
+          <p:cNvSpPr txBox="1"/>
+          <p:nvPr/>
+        </p:nvSpPr>
+        <p:spPr>
+          <a:xfrm>
+            <a:off x="3461860" y="636668"/>
+            <a:ext cx="5427306" cy="584775"/>
+          </a:xfrm>
+          <a:prstGeom prst="rect">
+            <a:avLst/>
+          </a:prstGeom>
+          <a:noFill/>
+          <a:ln>
+            <a:noFill/>
+          </a:ln>
+        </p:spPr>
+        <p:txBody>
+          <a:bodyPr wrap="square" rtlCol="0">
+            <a:spAutoFit/>
+          </a:bodyPr>
+          <a:lstStyle/>
+          <a:p>
+            <a:pPr algn="ctr"/>
+            <a:r>
+              <a:rPr lang="es-MX" sz="3200" b="1" dirty="0" err="1">
+                <a:solidFill>
+                  <a:schemeClr val="accent2"/>
+                </a:solidFill>
+                <a:latin typeface="Century Gothic" panose="020B0502020202020204" pitchFamily="34" charset="0"/>
+              </a:rPr>
+              <a:t>Revenue</a:t>
+            </a:r>
+            <a:r>
+              <a:rPr lang="es-MX" sz="3200" b="1" dirty="0">
+                <a:solidFill>
+                  <a:schemeClr val="accent2"/>
+                </a:solidFill>
+                <a:latin typeface="Century Gothic" panose="020B0502020202020204" pitchFamily="34" charset="0"/>
+              </a:rPr>
+              <a:t> </a:t>
+            </a:r>
+            <a:r>
+              <a:rPr lang="es-MX" sz="3200" b="1" dirty="0" err="1">
+                <a:solidFill>
+                  <a:schemeClr val="accent2"/>
+                </a:solidFill>
+                <a:latin typeface="Century Gothic" panose="020B0502020202020204" pitchFamily="34" charset="0"/>
+              </a:rPr>
+              <a:t>streams</a:t>
+            </a:r>
+            <a:endParaRPr lang="es-MX" sz="3200" b="1" dirty="0">
+              <a:solidFill>
+                <a:schemeClr val="accent2"/>
+              </a:solidFill>
+              <a:latin typeface="Century Gothic" panose="020B0502020202020204" pitchFamily="34" charset="0"/>
+            </a:endParaRPr>
+          </a:p>
+        </p:txBody>
+      </p:sp>
+      <p:sp>
+        <p:nvSpPr>
+          <p:cNvPr id="6" name="TextBox 22">
+            <a:extLst>
+              <a:ext uri="{FF2B5EF4-FFF2-40B4-BE49-F238E27FC236}">
+                <a16:creationId xmlns:a16="http://schemas.microsoft.com/office/drawing/2014/main" id="{960D6926-3FC1-4CCA-9A1D-F1DB49106B07}"/>
+              </a:ext>
+            </a:extLst>
+          </p:cNvPr>
+          <p:cNvSpPr txBox="1"/>
+          <p:nvPr/>
+        </p:nvSpPr>
+        <p:spPr>
+          <a:xfrm>
+            <a:off x="2769599" y="2459504"/>
+            <a:ext cx="6652801" cy="1938992"/>
+          </a:xfrm>
+          <a:prstGeom prst="rect">
+            <a:avLst/>
+          </a:prstGeom>
+          <a:noFill/>
+        </p:spPr>
+        <p:txBody>
+          <a:bodyPr wrap="square" rtlCol="0">
+            <a:spAutoFit/>
+          </a:bodyPr>
+          <a:lstStyle/>
+          <a:p>
+            <a:pPr algn="ctr"/>
+            <a:r>
+              <a:rPr lang="en-US" sz="2000" dirty="0">
+                <a:latin typeface="Century Gothic" panose="020B0502020202020204" pitchFamily="34" charset="0"/>
+              </a:rPr>
+              <a:t>The retribution for our products will be obtained through the payment of the users through the virtual store on our official page.</a:t>
+            </a:r>
+            <a:br>
+              <a:rPr lang="en-US" sz="2000" dirty="0">
+                <a:latin typeface="Century Gothic" panose="020B0502020202020204" pitchFamily="34" charset="0"/>
+              </a:rPr>
+            </a:br>
+            <a:r>
+              <a:rPr lang="en-US" sz="2000" dirty="0">
+                <a:latin typeface="Century Gothic" panose="020B0502020202020204" pitchFamily="34" charset="0"/>
+              </a:rPr>
+              <a:t>The payment method will be by debit / credit card using the PayPal service. A safe and easy way to pay.</a:t>
+            </a:r>
+            <a:endParaRPr lang="es-MX" sz="2000" dirty="0">
+              <a:latin typeface="Century Gothic" panose="020B0502020202020204" pitchFamily="34" charset="0"/>
+            </a:endParaRPr>
+          </a:p>
+        </p:txBody>
+      </p:sp>
+    </p:spTree>
+    <p:extLst>
+      <p:ext uri="{BB962C8B-B14F-4D97-AF65-F5344CB8AC3E}">
+        <p14:creationId xmlns:p14="http://schemas.microsoft.com/office/powerpoint/2010/main" val="3331269506"/>
       </p:ext>
     </p:extLst>
   </p:cSld>
@@ -3593,10 +3809,10 @@
       </p:grpSpPr>
       <p:sp>
         <p:nvSpPr>
-          <p:cNvPr id="4" name="Rectangle 3">
-            <a:extLst>
-              <a:ext uri="{FF2B5EF4-FFF2-40B4-BE49-F238E27FC236}">
-                <a16:creationId xmlns:a16="http://schemas.microsoft.com/office/drawing/2014/main" id="{E5C95A20-15F2-4064-BCA9-D4DFE92E9693}"/>
+          <p:cNvPr id="4" name="Rectángulo: esquinas redondeadas 3">
+            <a:extLst>
+              <a:ext uri="{FF2B5EF4-FFF2-40B4-BE49-F238E27FC236}">
+                <a16:creationId xmlns:a16="http://schemas.microsoft.com/office/drawing/2014/main" id="{095667F0-B601-46FE-BFD4-22E63A4E64DB}"/>
               </a:ext>
             </a:extLst>
           </p:cNvPr>
@@ -3605,26 +3821,35 @@
         </p:nvSpPr>
         <p:spPr>
           <a:xfrm>
-            <a:off x="5054351" y="430490"/>
-            <a:ext cx="2115403" cy="4804012"/>
+            <a:off x="622852" y="357809"/>
+            <a:ext cx="11105322" cy="6135756"/>
           </a:xfrm>
-          <a:prstGeom prst="rect">
+          <a:prstGeom prst="roundRect">
             <a:avLst/>
           </a:prstGeom>
-          <a:ln/>
+          <a:solidFill>
+            <a:schemeClr val="bg1"/>
+          </a:solidFill>
+          <a:ln>
+            <a:solidFill>
+              <a:schemeClr val="accent2"/>
+            </a:solidFill>
+          </a:ln>
         </p:spPr>
         <p:style>
           <a:lnRef idx="2">
-            <a:schemeClr val="accent2"/>
+            <a:schemeClr val="accent1">
+              <a:shade val="50000"/>
+            </a:schemeClr>
           </a:lnRef>
           <a:fillRef idx="1">
-            <a:schemeClr val="lt1"/>
+            <a:schemeClr val="accent1"/>
           </a:fillRef>
           <a:effectRef idx="0">
-            <a:schemeClr val="accent2"/>
+            <a:schemeClr val="accent1"/>
           </a:effectRef>
           <a:fontRef idx="minor">
-            <a:schemeClr val="dk1"/>
+            <a:schemeClr val="lt1"/>
           </a:fontRef>
         </p:style>
         <p:txBody>
@@ -3632,16 +3857,16 @@
           <a:lstStyle/>
           <a:p>
             <a:pPr algn="ctr"/>
-            <a:endParaRPr lang="es-MX" dirty="0"/>
-          </a:p>
-        </p:txBody>
-      </p:sp>
-      <p:sp>
-        <p:nvSpPr>
-          <p:cNvPr id="5" name="TextBox 4">
-            <a:extLst>
-              <a:ext uri="{FF2B5EF4-FFF2-40B4-BE49-F238E27FC236}">
-                <a16:creationId xmlns:a16="http://schemas.microsoft.com/office/drawing/2014/main" id="{AE4BED70-6F40-4AFF-88A3-7AAC82DAC7C1}"/>
+            <a:endParaRPr lang="es-MX"/>
+          </a:p>
+        </p:txBody>
+      </p:sp>
+      <p:sp>
+        <p:nvSpPr>
+          <p:cNvPr id="6" name="TextBox 4">
+            <a:extLst>
+              <a:ext uri="{FF2B5EF4-FFF2-40B4-BE49-F238E27FC236}">
+                <a16:creationId xmlns:a16="http://schemas.microsoft.com/office/drawing/2014/main" id="{80902719-0949-4FAB-991D-F9D86E04A5BB}"/>
               </a:ext>
             </a:extLst>
           </p:cNvPr>
@@ -3650,8 +3875,8 @@
         </p:nvSpPr>
         <p:spPr>
           <a:xfrm>
-            <a:off x="5054352" y="430490"/>
-            <a:ext cx="2131106" cy="338554"/>
+            <a:off x="3482632" y="979569"/>
+            <a:ext cx="5385762" cy="584775"/>
           </a:xfrm>
           <a:prstGeom prst="rect">
             <a:avLst/>
@@ -3666,23 +3891,47 @@
           <a:p>
             <a:pPr algn="ctr"/>
             <a:r>
-              <a:rPr lang="es-MX" sz="1600" b="1" dirty="0">
+              <a:rPr lang="es-MX" sz="3200" b="1" dirty="0" err="1">
                 <a:solidFill>
                   <a:schemeClr val="accent2"/>
                 </a:solidFill>
                 <a:latin typeface="Century Gothic" panose="020B0502020202020204" pitchFamily="34" charset="0"/>
               </a:rPr>
-              <a:t>Propuesta de valor</a:t>
-            </a:r>
-          </a:p>
-        </p:txBody>
-      </p:sp>
-      <p:sp>
-        <p:nvSpPr>
-          <p:cNvPr id="6" name="TextBox 5">
-            <a:extLst>
-              <a:ext uri="{FF2B5EF4-FFF2-40B4-BE49-F238E27FC236}">
-                <a16:creationId xmlns:a16="http://schemas.microsoft.com/office/drawing/2014/main" id="{E8FB3ACF-A153-47BA-82B9-B7F8321D2DB5}"/>
+              <a:t>Value</a:t>
+            </a:r>
+            <a:r>
+              <a:rPr lang="es-MX" sz="3200" b="1" dirty="0">
+                <a:solidFill>
+                  <a:schemeClr val="accent2"/>
+                </a:solidFill>
+                <a:latin typeface="Century Gothic" panose="020B0502020202020204" pitchFamily="34" charset="0"/>
+              </a:rPr>
+              <a:t> </a:t>
+            </a:r>
+            <a:r>
+              <a:rPr lang="es-MX" sz="3200" b="1" dirty="0" err="1">
+                <a:solidFill>
+                  <a:schemeClr val="accent2"/>
+                </a:solidFill>
+                <a:latin typeface="Century Gothic" panose="020B0502020202020204" pitchFamily="34" charset="0"/>
+              </a:rPr>
+              <a:t>Propositions</a:t>
+            </a:r>
+            <a:endParaRPr lang="es-MX" sz="3200" b="1" dirty="0">
+              <a:solidFill>
+                <a:schemeClr val="accent2"/>
+              </a:solidFill>
+              <a:latin typeface="Century Gothic" panose="020B0502020202020204" pitchFamily="34" charset="0"/>
+            </a:endParaRPr>
+          </a:p>
+        </p:txBody>
+      </p:sp>
+      <p:sp>
+        <p:nvSpPr>
+          <p:cNvPr id="7" name="TextBox 5">
+            <a:extLst>
+              <a:ext uri="{FF2B5EF4-FFF2-40B4-BE49-F238E27FC236}">
+                <a16:creationId xmlns:a16="http://schemas.microsoft.com/office/drawing/2014/main" id="{095211A8-AC1B-4604-B73B-F5D27726C054}"/>
               </a:ext>
             </a:extLst>
           </p:cNvPr>
@@ -3691,8 +3940,8 @@
         </p:nvSpPr>
         <p:spPr>
           <a:xfrm>
-            <a:off x="5071978" y="979915"/>
-            <a:ext cx="2097776" cy="3970318"/>
+            <a:off x="1416016" y="2905570"/>
+            <a:ext cx="10047115" cy="2246769"/>
           </a:xfrm>
           <a:prstGeom prst="rect">
             <a:avLst/>
@@ -3707,35 +3956,78 @@
           <a:p>
             <a:pPr algn="ctr"/>
             <a:r>
-              <a:rPr lang="es-MX" sz="1200" dirty="0">
-                <a:latin typeface="Century Gothic" panose="020B0502020202020204" pitchFamily="34" charset="0"/>
-              </a:rPr>
-              <a:t>Para mejorar la seguridad personal de las mascotas, ofrecemos un collar con localizador GPS para poder encontrarlos en caso de pérdida, combinando seguridad, ergonomía y elegancia al momento de portarlos.</a:t>
-            </a:r>
-          </a:p>
-          <a:p>
-            <a:pPr algn="ctr"/>
-            <a:endParaRPr lang="es-MX" sz="1200" dirty="0">
+              <a:rPr lang="en-US" sz="2000" dirty="0">
+                <a:latin typeface="Century Gothic" panose="020B0502020202020204" pitchFamily="34" charset="0"/>
+              </a:rPr>
+              <a:t>To improve the safety of your pets, we offer a collar with GPS locator to find them in case of loss, combining safety, ergonomics and elegance when carrying them.</a:t>
+            </a:r>
+            <a:br>
+              <a:rPr lang="en-US" sz="2000" dirty="0">
+                <a:latin typeface="Century Gothic" panose="020B0502020202020204" pitchFamily="34" charset="0"/>
+              </a:rPr>
+            </a:br>
+            <a:br>
+              <a:rPr lang="en-US" sz="2000" dirty="0">
+                <a:latin typeface="Century Gothic" panose="020B0502020202020204" pitchFamily="34" charset="0"/>
+              </a:rPr>
+            </a:br>
+            <a:r>
+              <a:rPr lang="en-US" sz="2000" dirty="0">
+                <a:latin typeface="Century Gothic" panose="020B0502020202020204" pitchFamily="34" charset="0"/>
+              </a:rPr>
+              <a:t>We also care about the feeding of your pet, so we offer an automatic food dispenser, which is programmable, achieving simplicity and convenience at the time of use.</a:t>
+            </a:r>
+            <a:endParaRPr lang="es-MX" sz="2000" dirty="0">
               <a:latin typeface="Century Gothic" panose="020B0502020202020204" pitchFamily="34" charset="0"/>
             </a:endParaRPr>
           </a:p>
-          <a:p>
-            <a:pPr algn="ctr"/>
-            <a:r>
-              <a:rPr lang="es-MX" sz="1200" dirty="0">
-                <a:latin typeface="Century Gothic" panose="020B0502020202020204" pitchFamily="34" charset="0"/>
-              </a:rPr>
-              <a:t>También nos preocupamos por la alimentación de las mascotas, por lo que ofrecemos un dispensador de comida automático, el cual es programable, logrando así sencillez y comodidad al momento de usarlos.</a:t>
-            </a:r>
-          </a:p>
-        </p:txBody>
-      </p:sp>
-      <p:sp>
-        <p:nvSpPr>
-          <p:cNvPr id="7" name="Rectangle 6">
-            <a:extLst>
-              <a:ext uri="{FF2B5EF4-FFF2-40B4-BE49-F238E27FC236}">
-                <a16:creationId xmlns:a16="http://schemas.microsoft.com/office/drawing/2014/main" id="{26AA47B1-7641-4AE6-BDCD-F1BFCC54F033}"/>
+        </p:txBody>
+      </p:sp>
+    </p:spTree>
+    <p:extLst>
+      <p:ext uri="{BB962C8B-B14F-4D97-AF65-F5344CB8AC3E}">
+        <p14:creationId xmlns:p14="http://schemas.microsoft.com/office/powerpoint/2010/main" val="383405855"/>
+      </p:ext>
+    </p:extLst>
+  </p:cSld>
+  <p:clrMapOvr>
+    <a:masterClrMapping/>
+  </p:clrMapOvr>
+</p:sld>
+</file>
+
+<file path=ppt/slides/slide3.xml><?xml version="1.0" encoding="utf-8"?>
+<p:sld xmlns:a="http://schemas.openxmlformats.org/drawingml/2006/main" xmlns:r="http://schemas.openxmlformats.org/officeDocument/2006/relationships" xmlns:p="http://schemas.openxmlformats.org/presentationml/2006/main">
+  <p:cSld>
+    <p:bg>
+      <p:bgPr>
+        <a:blipFill>
+          <a:blip r:embed="rId2"/>
+          <a:tile tx="0" ty="0" sx="100000" sy="100000" flip="none" algn="tl"/>
+        </a:blipFill>
+        <a:effectLst/>
+      </p:bgPr>
+    </p:bg>
+    <p:spTree>
+      <p:nvGrpSpPr>
+        <p:cNvPr id="1" name=""/>
+        <p:cNvGrpSpPr/>
+        <p:nvPr/>
+      </p:nvGrpSpPr>
+      <p:grpSpPr>
+        <a:xfrm>
+          <a:off x="0" y="0"/>
+          <a:ext cx="0" cy="0"/>
+          <a:chOff x="0" y="0"/>
+          <a:chExt cx="0" cy="0"/>
+        </a:xfrm>
+      </p:grpSpPr>
+      <p:sp>
+        <p:nvSpPr>
+          <p:cNvPr id="4" name="Rectángulo: esquinas redondeadas 3">
+            <a:extLst>
+              <a:ext uri="{FF2B5EF4-FFF2-40B4-BE49-F238E27FC236}">
+                <a16:creationId xmlns:a16="http://schemas.microsoft.com/office/drawing/2014/main" id="{37B3BEEB-B32F-43CD-BB5B-45388F8FD540}"/>
               </a:ext>
             </a:extLst>
           </p:cNvPr>
@@ -3744,26 +4036,35 @@
         </p:nvSpPr>
         <p:spPr>
           <a:xfrm>
-            <a:off x="7179279" y="427159"/>
-            <a:ext cx="2115403" cy="4804012"/>
+            <a:off x="622852" y="357809"/>
+            <a:ext cx="11105322" cy="6135756"/>
           </a:xfrm>
-          <a:prstGeom prst="rect">
+          <a:prstGeom prst="roundRect">
             <a:avLst/>
           </a:prstGeom>
-          <a:ln/>
+          <a:solidFill>
+            <a:schemeClr val="bg1"/>
+          </a:solidFill>
+          <a:ln>
+            <a:solidFill>
+              <a:schemeClr val="accent2"/>
+            </a:solidFill>
+          </a:ln>
         </p:spPr>
         <p:style>
           <a:lnRef idx="2">
-            <a:schemeClr val="accent2"/>
+            <a:schemeClr val="accent1">
+              <a:shade val="50000"/>
+            </a:schemeClr>
           </a:lnRef>
           <a:fillRef idx="1">
-            <a:schemeClr val="lt1"/>
+            <a:schemeClr val="accent1"/>
           </a:fillRef>
           <a:effectRef idx="0">
-            <a:schemeClr val="accent2"/>
+            <a:schemeClr val="accent1"/>
           </a:effectRef>
           <a:fontRef idx="minor">
-            <a:schemeClr val="dk1"/>
+            <a:schemeClr val="lt1"/>
           </a:fontRef>
         </p:style>
         <p:txBody>
@@ -3771,331 +4072,26 @@
           <a:lstStyle/>
           <a:p>
             <a:pPr algn="ctr"/>
-            <a:endParaRPr lang="es-MX" dirty="0"/>
-          </a:p>
-        </p:txBody>
-      </p:sp>
-      <p:sp>
-        <p:nvSpPr>
-          <p:cNvPr id="8" name="Rectangle 7">
-            <a:extLst>
-              <a:ext uri="{FF2B5EF4-FFF2-40B4-BE49-F238E27FC236}">
-                <a16:creationId xmlns:a16="http://schemas.microsoft.com/office/drawing/2014/main" id="{11A02636-F699-4779-9241-900BA5C9DDC8}"/>
-              </a:ext>
-            </a:extLst>
-          </p:cNvPr>
-          <p:cNvSpPr/>
+            <a:endParaRPr lang="es-MX"/>
+          </a:p>
+        </p:txBody>
+      </p:sp>
+      <p:sp>
+        <p:nvSpPr>
+          <p:cNvPr id="5" name="TextBox 19">
+            <a:extLst>
+              <a:ext uri="{FF2B5EF4-FFF2-40B4-BE49-F238E27FC236}">
+                <a16:creationId xmlns:a16="http://schemas.microsoft.com/office/drawing/2014/main" id="{B783DCA0-39B2-4E76-8418-2A7549E54E6B}"/>
+              </a:ext>
+            </a:extLst>
+          </p:cNvPr>
+          <p:cNvSpPr txBox="1"/>
           <p:nvPr/>
         </p:nvSpPr>
         <p:spPr>
           <a:xfrm>
-            <a:off x="2931953" y="427159"/>
-            <a:ext cx="2115403" cy="4810640"/>
-          </a:xfrm>
-          <a:prstGeom prst="rect">
-            <a:avLst/>
-          </a:prstGeom>
-          <a:ln/>
-        </p:spPr>
-        <p:style>
-          <a:lnRef idx="2">
-            <a:schemeClr val="accent2"/>
-          </a:lnRef>
-          <a:fillRef idx="1">
-            <a:schemeClr val="lt1"/>
-          </a:fillRef>
-          <a:effectRef idx="0">
-            <a:schemeClr val="accent2"/>
-          </a:effectRef>
-          <a:fontRef idx="minor">
-            <a:schemeClr val="dk1"/>
-          </a:fontRef>
-        </p:style>
-        <p:txBody>
-          <a:bodyPr rtlCol="0" anchor="ctr"/>
-          <a:lstStyle/>
-          <a:p>
-            <a:pPr algn="ctr"/>
-            <a:endParaRPr lang="es-MX" dirty="0"/>
-          </a:p>
-        </p:txBody>
-      </p:sp>
-      <p:cxnSp>
-        <p:nvCxnSpPr>
-          <p:cNvPr id="3" name="Straight Connector 2">
-            <a:extLst>
-              <a:ext uri="{FF2B5EF4-FFF2-40B4-BE49-F238E27FC236}">
-                <a16:creationId xmlns:a16="http://schemas.microsoft.com/office/drawing/2014/main" id="{0E6A0380-0A90-4E78-AAC1-1B6C26C440E4}"/>
-              </a:ext>
-            </a:extLst>
-          </p:cNvPr>
-          <p:cNvCxnSpPr>
-            <a:cxnSpLocks/>
-            <a:stCxn id="7" idx="1"/>
-            <a:endCxn id="7" idx="3"/>
-          </p:cNvCxnSpPr>
-          <p:nvPr/>
-        </p:nvCxnSpPr>
-        <p:spPr>
-          <a:xfrm>
-            <a:off x="7179279" y="2829165"/>
-            <a:ext cx="2115403" cy="0"/>
-          </a:xfrm>
-          <a:prstGeom prst="line">
-            <a:avLst/>
-          </a:prstGeom>
-        </p:spPr>
-        <p:style>
-          <a:lnRef idx="1">
-            <a:schemeClr val="accent2"/>
-          </a:lnRef>
-          <a:fillRef idx="0">
-            <a:schemeClr val="accent2"/>
-          </a:fillRef>
-          <a:effectRef idx="0">
-            <a:schemeClr val="accent2"/>
-          </a:effectRef>
-          <a:fontRef idx="minor">
-            <a:schemeClr val="tx1"/>
-          </a:fontRef>
-        </p:style>
-      </p:cxnSp>
-      <p:cxnSp>
-        <p:nvCxnSpPr>
-          <p:cNvPr id="10" name="Straight Connector 9">
-            <a:extLst>
-              <a:ext uri="{FF2B5EF4-FFF2-40B4-BE49-F238E27FC236}">
-                <a16:creationId xmlns:a16="http://schemas.microsoft.com/office/drawing/2014/main" id="{13F8AEA6-112A-4878-B6D4-0D961C1D4BEF}"/>
-              </a:ext>
-            </a:extLst>
-          </p:cNvPr>
-          <p:cNvCxnSpPr>
-            <a:cxnSpLocks/>
-            <a:stCxn id="8" idx="1"/>
-            <a:endCxn id="8" idx="3"/>
-          </p:cNvCxnSpPr>
-          <p:nvPr/>
-        </p:nvCxnSpPr>
-        <p:spPr>
-          <a:xfrm>
-            <a:off x="2931953" y="2832479"/>
-            <a:ext cx="2115403" cy="0"/>
-          </a:xfrm>
-          <a:prstGeom prst="line">
-            <a:avLst/>
-          </a:prstGeom>
-        </p:spPr>
-        <p:style>
-          <a:lnRef idx="1">
-            <a:schemeClr val="accent2"/>
-          </a:lnRef>
-          <a:fillRef idx="0">
-            <a:schemeClr val="accent2"/>
-          </a:fillRef>
-          <a:effectRef idx="0">
-            <a:schemeClr val="accent2"/>
-          </a:effectRef>
-          <a:fontRef idx="minor">
-            <a:schemeClr val="tx1"/>
-          </a:fontRef>
-        </p:style>
-      </p:cxnSp>
-      <p:sp>
-        <p:nvSpPr>
-          <p:cNvPr id="12" name="Rectangle 11">
-            <a:extLst>
-              <a:ext uri="{FF2B5EF4-FFF2-40B4-BE49-F238E27FC236}">
-                <a16:creationId xmlns:a16="http://schemas.microsoft.com/office/drawing/2014/main" id="{97F27A42-B902-43E5-838E-702414E62EDB}"/>
-              </a:ext>
-            </a:extLst>
-          </p:cNvPr>
-          <p:cNvSpPr/>
-          <p:nvPr/>
-        </p:nvSpPr>
-        <p:spPr>
-          <a:xfrm>
-            <a:off x="9303391" y="427159"/>
-            <a:ext cx="2115403" cy="4804012"/>
-          </a:xfrm>
-          <a:prstGeom prst="rect">
-            <a:avLst/>
-          </a:prstGeom>
-          <a:ln/>
-        </p:spPr>
-        <p:style>
-          <a:lnRef idx="2">
-            <a:schemeClr val="accent2"/>
-          </a:lnRef>
-          <a:fillRef idx="1">
-            <a:schemeClr val="lt1"/>
-          </a:fillRef>
-          <a:effectRef idx="0">
-            <a:schemeClr val="accent2"/>
-          </a:effectRef>
-          <a:fontRef idx="minor">
-            <a:schemeClr val="dk1"/>
-          </a:fontRef>
-        </p:style>
-        <p:txBody>
-          <a:bodyPr rtlCol="0" anchor="ctr"/>
-          <a:lstStyle/>
-          <a:p>
-            <a:pPr algn="ctr"/>
-            <a:endParaRPr lang="es-MX" dirty="0"/>
-          </a:p>
-        </p:txBody>
-      </p:sp>
-      <p:sp>
-        <p:nvSpPr>
-          <p:cNvPr id="13" name="Rectangle 12">
-            <a:extLst>
-              <a:ext uri="{FF2B5EF4-FFF2-40B4-BE49-F238E27FC236}">
-                <a16:creationId xmlns:a16="http://schemas.microsoft.com/office/drawing/2014/main" id="{D746DF80-D441-4D23-BC1A-0BA4961FD614}"/>
-              </a:ext>
-            </a:extLst>
-          </p:cNvPr>
-          <p:cNvSpPr/>
-          <p:nvPr/>
-        </p:nvSpPr>
-        <p:spPr>
-          <a:xfrm>
-            <a:off x="807841" y="427159"/>
-            <a:ext cx="2115403" cy="4810640"/>
-          </a:xfrm>
-          <a:prstGeom prst="rect">
-            <a:avLst/>
-          </a:prstGeom>
-          <a:ln/>
-        </p:spPr>
-        <p:style>
-          <a:lnRef idx="2">
-            <a:schemeClr val="accent2"/>
-          </a:lnRef>
-          <a:fillRef idx="1">
-            <a:schemeClr val="lt1"/>
-          </a:fillRef>
-          <a:effectRef idx="0">
-            <a:schemeClr val="accent2"/>
-          </a:effectRef>
-          <a:fontRef idx="minor">
-            <a:schemeClr val="dk1"/>
-          </a:fontRef>
-        </p:style>
-        <p:txBody>
-          <a:bodyPr rtlCol="0" anchor="ctr"/>
-          <a:lstStyle/>
-          <a:p>
-            <a:pPr algn="ctr"/>
-            <a:endParaRPr lang="es-MX" dirty="0"/>
-          </a:p>
-        </p:txBody>
-      </p:sp>
-      <p:sp>
-        <p:nvSpPr>
-          <p:cNvPr id="14" name="Rectangle 13">
-            <a:extLst>
-              <a:ext uri="{FF2B5EF4-FFF2-40B4-BE49-F238E27FC236}">
-                <a16:creationId xmlns:a16="http://schemas.microsoft.com/office/drawing/2014/main" id="{456EF293-048E-4F45-A5B2-EE5FF9BF1196}"/>
-              </a:ext>
-            </a:extLst>
-          </p:cNvPr>
-          <p:cNvSpPr/>
-          <p:nvPr/>
-        </p:nvSpPr>
-        <p:spPr>
-          <a:xfrm>
-            <a:off x="807841" y="5237799"/>
-            <a:ext cx="5183656" cy="1306888"/>
-          </a:xfrm>
-          <a:prstGeom prst="rect">
-            <a:avLst/>
-          </a:prstGeom>
-          <a:ln w="12700"/>
-        </p:spPr>
-        <p:style>
-          <a:lnRef idx="2">
-            <a:schemeClr val="accent2"/>
-          </a:lnRef>
-          <a:fillRef idx="1">
-            <a:schemeClr val="lt1"/>
-          </a:fillRef>
-          <a:effectRef idx="0">
-            <a:schemeClr val="accent2"/>
-          </a:effectRef>
-          <a:fontRef idx="minor">
-            <a:schemeClr val="dk1"/>
-          </a:fontRef>
-        </p:style>
-        <p:txBody>
-          <a:bodyPr rtlCol="0" anchor="ctr"/>
-          <a:lstStyle/>
-          <a:p>
-            <a:pPr algn="ctr"/>
-            <a:endParaRPr lang="es-MX"/>
-          </a:p>
-        </p:txBody>
-      </p:sp>
-      <p:sp>
-        <p:nvSpPr>
-          <p:cNvPr id="15" name="Rectangle 14">
-            <a:extLst>
-              <a:ext uri="{FF2B5EF4-FFF2-40B4-BE49-F238E27FC236}">
-                <a16:creationId xmlns:a16="http://schemas.microsoft.com/office/drawing/2014/main" id="{79386728-58AB-4345-8EC7-A81BA7A49F7C}"/>
-              </a:ext>
-            </a:extLst>
-          </p:cNvPr>
-          <p:cNvSpPr/>
-          <p:nvPr/>
-        </p:nvSpPr>
-        <p:spPr>
-          <a:xfrm>
-            <a:off x="5998492" y="5237799"/>
-            <a:ext cx="5420302" cy="1306888"/>
-          </a:xfrm>
-          <a:prstGeom prst="rect">
-            <a:avLst/>
-          </a:prstGeom>
-          <a:ln/>
-        </p:spPr>
-        <p:style>
-          <a:lnRef idx="2">
-            <a:schemeClr val="accent2"/>
-          </a:lnRef>
-          <a:fillRef idx="1">
-            <a:schemeClr val="lt1"/>
-          </a:fillRef>
-          <a:effectRef idx="0">
-            <a:schemeClr val="accent2"/>
-          </a:effectRef>
-          <a:fontRef idx="minor">
-            <a:schemeClr val="dk1"/>
-          </a:fontRef>
-        </p:style>
-        <p:txBody>
-          <a:bodyPr rtlCol="0" anchor="ctr"/>
-          <a:lstStyle/>
-          <a:p>
-            <a:pPr algn="ctr"/>
-            <a:endParaRPr lang="es-MX"/>
-          </a:p>
-        </p:txBody>
-      </p:sp>
-      <p:sp>
-        <p:nvSpPr>
-          <p:cNvPr id="16" name="TextBox 15">
-            <a:extLst>
-              <a:ext uri="{FF2B5EF4-FFF2-40B4-BE49-F238E27FC236}">
-                <a16:creationId xmlns:a16="http://schemas.microsoft.com/office/drawing/2014/main" id="{27867483-9E4F-4C88-82E7-1485D810E59F}"/>
-              </a:ext>
-            </a:extLst>
-          </p:cNvPr>
-          <p:cNvSpPr txBox="1"/>
-          <p:nvPr/>
-        </p:nvSpPr>
-        <p:spPr>
-          <a:xfrm>
-            <a:off x="9310386" y="430490"/>
-            <a:ext cx="2115403" cy="584775"/>
+            <a:off x="3565913" y="1083374"/>
+            <a:ext cx="5060173" cy="584775"/>
           </a:xfrm>
           <a:prstGeom prst="rect">
             <a:avLst/>
@@ -4110,23 +4106,47 @@
           <a:p>
             <a:pPr algn="ctr"/>
             <a:r>
-              <a:rPr lang="es-MX" sz="1600" b="1" dirty="0">
+              <a:rPr lang="es-MX" sz="3200" b="1" dirty="0" err="1">
                 <a:solidFill>
                   <a:schemeClr val="accent2"/>
                 </a:solidFill>
                 <a:latin typeface="Century Gothic" panose="020B0502020202020204" pitchFamily="34" charset="0"/>
               </a:rPr>
-              <a:t>Segmentos de cliente</a:t>
-            </a:r>
-          </a:p>
-        </p:txBody>
-      </p:sp>
-      <p:sp>
-        <p:nvSpPr>
-          <p:cNvPr id="17" name="TextBox 16">
-            <a:extLst>
-              <a:ext uri="{FF2B5EF4-FFF2-40B4-BE49-F238E27FC236}">
-                <a16:creationId xmlns:a16="http://schemas.microsoft.com/office/drawing/2014/main" id="{691BF336-6BD1-4C6C-BC9E-D95FBBB0E910}"/>
+              <a:t>Customer</a:t>
+            </a:r>
+            <a:r>
+              <a:rPr lang="es-MX" sz="3200" b="1" dirty="0">
+                <a:solidFill>
+                  <a:schemeClr val="accent2"/>
+                </a:solidFill>
+                <a:latin typeface="Century Gothic" panose="020B0502020202020204" pitchFamily="34" charset="0"/>
+              </a:rPr>
+              <a:t> </a:t>
+            </a:r>
+            <a:r>
+              <a:rPr lang="es-MX" sz="3200" b="1" dirty="0" err="1">
+                <a:solidFill>
+                  <a:schemeClr val="accent2"/>
+                </a:solidFill>
+                <a:latin typeface="Century Gothic" panose="020B0502020202020204" pitchFamily="34" charset="0"/>
+              </a:rPr>
+              <a:t>relationships</a:t>
+            </a:r>
+            <a:endParaRPr lang="es-MX" sz="3200" b="1" dirty="0">
+              <a:solidFill>
+                <a:schemeClr val="accent2"/>
+              </a:solidFill>
+              <a:latin typeface="Century Gothic" panose="020B0502020202020204" pitchFamily="34" charset="0"/>
+            </a:endParaRPr>
+          </a:p>
+        </p:txBody>
+      </p:sp>
+      <p:sp>
+        <p:nvSpPr>
+          <p:cNvPr id="6" name="TextBox 20">
+            <a:extLst>
+              <a:ext uri="{FF2B5EF4-FFF2-40B4-BE49-F238E27FC236}">
+                <a16:creationId xmlns:a16="http://schemas.microsoft.com/office/drawing/2014/main" id="{B4332DCD-90C7-4B01-9D65-9C87D43952E0}"/>
               </a:ext>
             </a:extLst>
           </p:cNvPr>
@@ -4135,8 +4155,8 @@
         </p:nvSpPr>
         <p:spPr>
           <a:xfrm>
-            <a:off x="9303391" y="1511973"/>
-            <a:ext cx="2115403" cy="3416320"/>
+            <a:off x="2548011" y="2917855"/>
+            <a:ext cx="7748927" cy="1015663"/>
           </a:xfrm>
           <a:prstGeom prst="rect">
             <a:avLst/>
@@ -4151,35 +4171,116 @@
           <a:p>
             <a:pPr algn="ctr"/>
             <a:r>
-              <a:rPr lang="es-MX" sz="1200" dirty="0">
-                <a:latin typeface="Century Gothic" panose="020B0502020202020204" pitchFamily="34" charset="0"/>
-              </a:rPr>
-              <a:t>El collar está pensado para cualquier persona que posea un perro o un gato como mascota, el cual también se adapta en tamaño dependiendo de la raza del animal.</a:t>
-            </a:r>
-          </a:p>
-          <a:p>
-            <a:pPr algn="ctr"/>
-            <a:endParaRPr lang="es-MX" sz="1200" dirty="0">
+              <a:rPr lang="en-US" sz="2000" dirty="0">
+                <a:latin typeface="Century Gothic" panose="020B0502020202020204" pitchFamily="34" charset="0"/>
+              </a:rPr>
+              <a:t>Marketing strategies are implemented on our official website, and we offer our customers the possibility to communicate with us.</a:t>
+            </a:r>
+            <a:endParaRPr lang="es-MX" sz="2000" dirty="0">
               <a:latin typeface="Century Gothic" panose="020B0502020202020204" pitchFamily="34" charset="0"/>
             </a:endParaRPr>
           </a:p>
+        </p:txBody>
+      </p:sp>
+    </p:spTree>
+    <p:extLst>
+      <p:ext uri="{BB962C8B-B14F-4D97-AF65-F5344CB8AC3E}">
+        <p14:creationId xmlns:p14="http://schemas.microsoft.com/office/powerpoint/2010/main" val="1946772628"/>
+      </p:ext>
+    </p:extLst>
+  </p:cSld>
+  <p:clrMapOvr>
+    <a:masterClrMapping/>
+  </p:clrMapOvr>
+</p:sld>
+</file>
+
+<file path=ppt/slides/slide4.xml><?xml version="1.0" encoding="utf-8"?>
+<p:sld xmlns:a="http://schemas.openxmlformats.org/drawingml/2006/main" xmlns:r="http://schemas.openxmlformats.org/officeDocument/2006/relationships" xmlns:p="http://schemas.openxmlformats.org/presentationml/2006/main">
+  <p:cSld>
+    <p:bg>
+      <p:bgPr>
+        <a:blipFill>
+          <a:blip r:embed="rId2"/>
+          <a:tile tx="0" ty="0" sx="100000" sy="100000" flip="none" algn="tl"/>
+        </a:blipFill>
+        <a:effectLst/>
+      </p:bgPr>
+    </p:bg>
+    <p:spTree>
+      <p:nvGrpSpPr>
+        <p:cNvPr id="1" name=""/>
+        <p:cNvGrpSpPr/>
+        <p:nvPr/>
+      </p:nvGrpSpPr>
+      <p:grpSpPr>
+        <a:xfrm>
+          <a:off x="0" y="0"/>
+          <a:ext cx="0" cy="0"/>
+          <a:chOff x="0" y="0"/>
+          <a:chExt cx="0" cy="0"/>
+        </a:xfrm>
+      </p:grpSpPr>
+      <p:sp>
+        <p:nvSpPr>
+          <p:cNvPr id="6" name="Rectángulo: esquinas redondeadas 5">
+            <a:extLst>
+              <a:ext uri="{FF2B5EF4-FFF2-40B4-BE49-F238E27FC236}">
+                <a16:creationId xmlns:a16="http://schemas.microsoft.com/office/drawing/2014/main" id="{E5496B7F-DB07-4985-BE5A-F0C4679BB0B8}"/>
+              </a:ext>
+            </a:extLst>
+          </p:cNvPr>
+          <p:cNvSpPr/>
+          <p:nvPr/>
+        </p:nvSpPr>
+        <p:spPr>
+          <a:xfrm>
+            <a:off x="622852" y="357809"/>
+            <a:ext cx="11105322" cy="6135756"/>
+          </a:xfrm>
+          <a:prstGeom prst="roundRect">
+            <a:avLst/>
+          </a:prstGeom>
+          <a:solidFill>
+            <a:schemeClr val="bg1"/>
+          </a:solidFill>
+          <a:ln>
+            <a:solidFill>
+              <a:schemeClr val="accent2"/>
+            </a:solidFill>
+          </a:ln>
+        </p:spPr>
+        <p:style>
+          <a:lnRef idx="2">
+            <a:schemeClr val="accent1">
+              <a:shade val="50000"/>
+            </a:schemeClr>
+          </a:lnRef>
+          <a:fillRef idx="1">
+            <a:schemeClr val="accent1"/>
+          </a:fillRef>
+          <a:effectRef idx="0">
+            <a:schemeClr val="accent1"/>
+          </a:effectRef>
+          <a:fontRef idx="minor">
+            <a:schemeClr val="lt1"/>
+          </a:fontRef>
+        </p:style>
+        <p:txBody>
+          <a:bodyPr rtlCol="0" anchor="ctr"/>
+          <a:lstStyle/>
           <a:p>
             <a:pPr algn="ctr"/>
-            <a:r>
-              <a:rPr lang="es-MX" sz="1200" dirty="0">
-                <a:latin typeface="Century Gothic" panose="020B0502020202020204" pitchFamily="34" charset="0"/>
-              </a:rPr>
-              <a:t>El dispensador está pensado para aquellas personas que posean un perro, un gato o pez como mascota, las cuales debido a diferentes impedimentos, no puedan alimentar correctamente a tiempo a sus mascotas.</a:t>
-            </a:r>
-          </a:p>
-        </p:txBody>
-      </p:sp>
-      <p:sp>
-        <p:nvSpPr>
-          <p:cNvPr id="18" name="TextBox 17">
-            <a:extLst>
-              <a:ext uri="{FF2B5EF4-FFF2-40B4-BE49-F238E27FC236}">
-                <a16:creationId xmlns:a16="http://schemas.microsoft.com/office/drawing/2014/main" id="{CBEA1268-4F03-484C-BF36-ED5D87CB29EE}"/>
+            <a:endParaRPr lang="es-MX"/>
+          </a:p>
+        </p:txBody>
+      </p:sp>
+      <p:sp>
+        <p:nvSpPr>
+          <p:cNvPr id="7" name="TextBox 17">
+            <a:extLst>
+              <a:ext uri="{FF2B5EF4-FFF2-40B4-BE49-F238E27FC236}">
+                <a16:creationId xmlns:a16="http://schemas.microsoft.com/office/drawing/2014/main" id="{777DEF50-9189-4956-A0A3-332AF51C6245}"/>
               </a:ext>
             </a:extLst>
           </p:cNvPr>
@@ -4188,8 +4289,8 @@
         </p:nvSpPr>
         <p:spPr>
           <a:xfrm>
-            <a:off x="7180572" y="2831990"/>
-            <a:ext cx="2115403" cy="523220"/>
+            <a:off x="3513062" y="859120"/>
+            <a:ext cx="5324902" cy="584775"/>
           </a:xfrm>
           <a:prstGeom prst="rect">
             <a:avLst/>
@@ -4204,15 +4305,15 @@
           <a:p>
             <a:pPr algn="ctr"/>
             <a:r>
-              <a:rPr lang="es-MX" sz="1400" b="1" dirty="0">
+              <a:rPr lang="es-MX" sz="3200" b="1" dirty="0" err="1">
                 <a:solidFill>
                   <a:schemeClr val="accent2"/>
                 </a:solidFill>
                 <a:latin typeface="Century Gothic" panose="020B0502020202020204" pitchFamily="34" charset="0"/>
               </a:rPr>
-              <a:t>Canales de comunicación</a:t>
-            </a:r>
-            <a:endParaRPr lang="es-MX" sz="1600" b="1" dirty="0">
+              <a:t>Channels</a:t>
+            </a:r>
+            <a:endParaRPr lang="es-MX" sz="3600" b="1" dirty="0">
               <a:solidFill>
                 <a:schemeClr val="accent2"/>
               </a:solidFill>
@@ -4223,10 +4324,10 @@
       </p:sp>
       <p:sp>
         <p:nvSpPr>
-          <p:cNvPr id="19" name="TextBox 18">
-            <a:extLst>
-              <a:ext uri="{FF2B5EF4-FFF2-40B4-BE49-F238E27FC236}">
-                <a16:creationId xmlns:a16="http://schemas.microsoft.com/office/drawing/2014/main" id="{7029AA6B-2CA1-4FEE-8775-D4ED7F2A9FD1}"/>
+          <p:cNvPr id="8" name="TextBox 18">
+            <a:extLst>
+              <a:ext uri="{FF2B5EF4-FFF2-40B4-BE49-F238E27FC236}">
+                <a16:creationId xmlns:a16="http://schemas.microsoft.com/office/drawing/2014/main" id="{7958FBD0-7C87-48A5-A990-AAAB6381E4B7}"/>
               </a:ext>
             </a:extLst>
           </p:cNvPr>
@@ -4235,8 +4336,8 @@
         </p:nvSpPr>
         <p:spPr>
           <a:xfrm>
-            <a:off x="7185458" y="3278449"/>
-            <a:ext cx="2098883" cy="1954381"/>
+            <a:off x="2316435" y="2982671"/>
+            <a:ext cx="7559130" cy="1631216"/>
           </a:xfrm>
           <a:prstGeom prst="rect">
             <a:avLst/>
@@ -4251,29 +4352,127 @@
           <a:p>
             <a:pPr algn="ctr"/>
             <a:r>
-              <a:rPr lang="es-MX" sz="1100" dirty="0">
-                <a:latin typeface="Century Gothic" panose="020B0502020202020204" pitchFamily="34" charset="0"/>
-              </a:rPr>
-              <a:t>Nuestros clientes podrán comprar nuestros productos mediante la página web oficial de la empresa, y la entrega de estos será mediante paquetería.</a:t>
-            </a:r>
-          </a:p>
+              <a:rPr lang="en-US" sz="2000" dirty="0">
+                <a:latin typeface="Century Gothic" panose="020B0502020202020204" pitchFamily="34" charset="0"/>
+              </a:rPr>
+              <a:t>Our customers can buy our products through the official website, and the delivery of these will be through parcels.</a:t>
+            </a:r>
+            <a:br>
+              <a:rPr lang="en-US" sz="2000" dirty="0">
+                <a:latin typeface="Century Gothic" panose="020B0502020202020204" pitchFamily="34" charset="0"/>
+              </a:rPr>
+            </a:br>
+            <a:r>
+              <a:rPr lang="en-US" sz="2000" dirty="0">
+                <a:latin typeface="Century Gothic" panose="020B0502020202020204" pitchFamily="34" charset="0"/>
+              </a:rPr>
+              <a:t>In addition, we will present our products to local veterinarians and through social networks such as Facebook and Twitter.</a:t>
+            </a:r>
+            <a:endParaRPr lang="es-MX" sz="2000" dirty="0">
+              <a:latin typeface="Century Gothic" panose="020B0502020202020204" pitchFamily="34" charset="0"/>
+            </a:endParaRPr>
+          </a:p>
+        </p:txBody>
+      </p:sp>
+    </p:spTree>
+    <p:extLst>
+      <p:ext uri="{BB962C8B-B14F-4D97-AF65-F5344CB8AC3E}">
+        <p14:creationId xmlns:p14="http://schemas.microsoft.com/office/powerpoint/2010/main" val="127793527"/>
+      </p:ext>
+    </p:extLst>
+  </p:cSld>
+  <p:clrMapOvr>
+    <a:masterClrMapping/>
+  </p:clrMapOvr>
+</p:sld>
+</file>
+
+<file path=ppt/slides/slide5.xml><?xml version="1.0" encoding="utf-8"?>
+<p:sld xmlns:a="http://schemas.openxmlformats.org/drawingml/2006/main" xmlns:r="http://schemas.openxmlformats.org/officeDocument/2006/relationships" xmlns:p="http://schemas.openxmlformats.org/presentationml/2006/main">
+  <p:cSld>
+    <p:bg>
+      <p:bgPr>
+        <a:blipFill>
+          <a:blip r:embed="rId2"/>
+          <a:tile tx="0" ty="0" sx="100000" sy="100000" flip="none" algn="tl"/>
+        </a:blipFill>
+        <a:effectLst/>
+      </p:bgPr>
+    </p:bg>
+    <p:spTree>
+      <p:nvGrpSpPr>
+        <p:cNvPr id="1" name=""/>
+        <p:cNvGrpSpPr/>
+        <p:nvPr/>
+      </p:nvGrpSpPr>
+      <p:grpSpPr>
+        <a:xfrm>
+          <a:off x="0" y="0"/>
+          <a:ext cx="0" cy="0"/>
+          <a:chOff x="0" y="0"/>
+          <a:chExt cx="0" cy="0"/>
+        </a:xfrm>
+      </p:grpSpPr>
+      <p:sp>
+        <p:nvSpPr>
+          <p:cNvPr id="4" name="Rectángulo: esquinas redondeadas 3">
+            <a:extLst>
+              <a:ext uri="{FF2B5EF4-FFF2-40B4-BE49-F238E27FC236}">
+                <a16:creationId xmlns:a16="http://schemas.microsoft.com/office/drawing/2014/main" id="{533E9771-CEE1-45CC-A81A-D1DBD7839F4D}"/>
+              </a:ext>
+            </a:extLst>
+          </p:cNvPr>
+          <p:cNvSpPr/>
+          <p:nvPr/>
+        </p:nvSpPr>
+        <p:spPr>
+          <a:xfrm>
+            <a:off x="622852" y="357809"/>
+            <a:ext cx="11105322" cy="6135756"/>
+          </a:xfrm>
+          <a:prstGeom prst="roundRect">
+            <a:avLst/>
+          </a:prstGeom>
+          <a:solidFill>
+            <a:schemeClr val="bg1"/>
+          </a:solidFill>
+          <a:ln>
+            <a:solidFill>
+              <a:schemeClr val="accent2"/>
+            </a:solidFill>
+          </a:ln>
+        </p:spPr>
+        <p:style>
+          <a:lnRef idx="2">
+            <a:schemeClr val="accent1">
+              <a:shade val="50000"/>
+            </a:schemeClr>
+          </a:lnRef>
+          <a:fillRef idx="1">
+            <a:schemeClr val="accent1"/>
+          </a:fillRef>
+          <a:effectRef idx="0">
+            <a:schemeClr val="accent1"/>
+          </a:effectRef>
+          <a:fontRef idx="minor">
+            <a:schemeClr val="lt1"/>
+          </a:fontRef>
+        </p:style>
+        <p:txBody>
+          <a:bodyPr rtlCol="0" anchor="ctr"/>
+          <a:lstStyle/>
           <a:p>
             <a:pPr algn="ctr"/>
-            <a:r>
-              <a:rPr lang="es-MX" sz="1100" dirty="0">
-                <a:latin typeface="Century Gothic" panose="020B0502020202020204" pitchFamily="34" charset="0"/>
-              </a:rPr>
-              <a:t>Además, daremos a conocer nuestros productos a veterinarias locales y mediante redes sociales como Facebook y Twitter.</a:t>
-            </a:r>
-          </a:p>
-        </p:txBody>
-      </p:sp>
-      <p:sp>
-        <p:nvSpPr>
-          <p:cNvPr id="20" name="TextBox 19">
-            <a:extLst>
-              <a:ext uri="{FF2B5EF4-FFF2-40B4-BE49-F238E27FC236}">
-                <a16:creationId xmlns:a16="http://schemas.microsoft.com/office/drawing/2014/main" id="{338DDC51-2182-42F5-B73D-F908F81FF5B5}"/>
+            <a:endParaRPr lang="es-MX"/>
+          </a:p>
+        </p:txBody>
+      </p:sp>
+      <p:sp>
+        <p:nvSpPr>
+          <p:cNvPr id="5" name="TextBox 15">
+            <a:extLst>
+              <a:ext uri="{FF2B5EF4-FFF2-40B4-BE49-F238E27FC236}">
+                <a16:creationId xmlns:a16="http://schemas.microsoft.com/office/drawing/2014/main" id="{7766BE41-A91B-4440-AE44-8D93098F5FF3}"/>
               </a:ext>
             </a:extLst>
           </p:cNvPr>
@@ -4282,8 +4481,8 @@
         </p:nvSpPr>
         <p:spPr>
           <a:xfrm>
-            <a:off x="7184835" y="443428"/>
-            <a:ext cx="2088705" cy="584775"/>
+            <a:off x="4012713" y="722038"/>
+            <a:ext cx="4325600" cy="584775"/>
           </a:xfrm>
           <a:prstGeom prst="rect">
             <a:avLst/>
@@ -4298,23 +4497,47 @@
           <a:p>
             <a:pPr algn="ctr"/>
             <a:r>
-              <a:rPr lang="es-MX" sz="1600" b="1" dirty="0">
+              <a:rPr lang="es-MX" sz="3200" b="1" dirty="0" err="1">
                 <a:solidFill>
                   <a:schemeClr val="accent2"/>
                 </a:solidFill>
                 <a:latin typeface="Century Gothic" panose="020B0502020202020204" pitchFamily="34" charset="0"/>
               </a:rPr>
-              <a:t>Relación con el cliente</a:t>
-            </a:r>
-          </a:p>
-        </p:txBody>
-      </p:sp>
-      <p:sp>
-        <p:nvSpPr>
-          <p:cNvPr id="21" name="TextBox 20">
-            <a:extLst>
-              <a:ext uri="{FF2B5EF4-FFF2-40B4-BE49-F238E27FC236}">
-                <a16:creationId xmlns:a16="http://schemas.microsoft.com/office/drawing/2014/main" id="{B425887D-1C27-4332-8EE2-9A06F37296BE}"/>
+              <a:t>Customer</a:t>
+            </a:r>
+            <a:r>
+              <a:rPr lang="es-MX" sz="3200" b="1" dirty="0">
+                <a:solidFill>
+                  <a:schemeClr val="accent2"/>
+                </a:solidFill>
+                <a:latin typeface="Century Gothic" panose="020B0502020202020204" pitchFamily="34" charset="0"/>
+              </a:rPr>
+              <a:t> </a:t>
+            </a:r>
+            <a:r>
+              <a:rPr lang="es-MX" sz="3200" b="1" dirty="0" err="1">
+                <a:solidFill>
+                  <a:schemeClr val="accent2"/>
+                </a:solidFill>
+                <a:latin typeface="Century Gothic" panose="020B0502020202020204" pitchFamily="34" charset="0"/>
+              </a:rPr>
+              <a:t>segments</a:t>
+            </a:r>
+            <a:endParaRPr lang="es-MX" sz="3200" b="1" dirty="0">
+              <a:solidFill>
+                <a:schemeClr val="accent2"/>
+              </a:solidFill>
+              <a:latin typeface="Century Gothic" panose="020B0502020202020204" pitchFamily="34" charset="0"/>
+            </a:endParaRPr>
+          </a:p>
+        </p:txBody>
+      </p:sp>
+      <p:sp>
+        <p:nvSpPr>
+          <p:cNvPr id="6" name="TextBox 16">
+            <a:extLst>
+              <a:ext uri="{FF2B5EF4-FFF2-40B4-BE49-F238E27FC236}">
+                <a16:creationId xmlns:a16="http://schemas.microsoft.com/office/drawing/2014/main" id="{FC3693DE-9D44-4073-9A3A-DDB260DA378E}"/>
               </a:ext>
             </a:extLst>
           </p:cNvPr>
@@ -4323,8 +4546,8 @@
         </p:nvSpPr>
         <p:spPr>
           <a:xfrm>
-            <a:off x="7186274" y="1157619"/>
-            <a:ext cx="2115402" cy="1569660"/>
+            <a:off x="3115497" y="2561361"/>
+            <a:ext cx="6120032" cy="2554545"/>
           </a:xfrm>
           <a:prstGeom prst="rect">
             <a:avLst/>
@@ -4339,20 +4562,132 @@
           <a:p>
             <a:pPr algn="ctr"/>
             <a:r>
-              <a:rPr lang="es-MX" sz="1200" dirty="0">
-                <a:latin typeface="Century Gothic" panose="020B0502020202020204" pitchFamily="34" charset="0"/>
-              </a:rPr>
-              <a:t>Las estrategias de Marketing estarán implementadas en nuestra página oficial, y le ofrecemos a nuestros clientes la posibilidad de comunicarse con nosotros.</a:t>
-            </a:r>
-          </a:p>
-        </p:txBody>
-      </p:sp>
-      <p:sp>
-        <p:nvSpPr>
-          <p:cNvPr id="22" name="TextBox 21">
-            <a:extLst>
-              <a:ext uri="{FF2B5EF4-FFF2-40B4-BE49-F238E27FC236}">
-                <a16:creationId xmlns:a16="http://schemas.microsoft.com/office/drawing/2014/main" id="{DA76E01B-B50F-40E0-BDC3-E9B750A87EBB}"/>
+              <a:rPr lang="en-US" sz="2000" dirty="0">
+                <a:latin typeface="Century Gothic" panose="020B0502020202020204" pitchFamily="34" charset="0"/>
+              </a:rPr>
+              <a:t>The collar is designed for anyone who owns a dog or cat as a pet, which also fits in size depending on the breed of the animal.</a:t>
+            </a:r>
+            <a:br>
+              <a:rPr lang="en-US" sz="2000" dirty="0">
+                <a:latin typeface="Century Gothic" panose="020B0502020202020204" pitchFamily="34" charset="0"/>
+              </a:rPr>
+            </a:br>
+            <a:br>
+              <a:rPr lang="en-US" sz="2000" dirty="0">
+                <a:latin typeface="Century Gothic" panose="020B0502020202020204" pitchFamily="34" charset="0"/>
+              </a:rPr>
+            </a:br>
+            <a:r>
+              <a:rPr lang="en-US" sz="2000" dirty="0">
+                <a:latin typeface="Century Gothic" panose="020B0502020202020204" pitchFamily="34" charset="0"/>
+              </a:rPr>
+              <a:t>The dispenser is designed for those who have a dog, cat or fish as a pet, which due to different impediments, can not feed their pets correctly on time.</a:t>
+            </a:r>
+            <a:endParaRPr lang="es-MX" sz="2000" dirty="0">
+              <a:latin typeface="Century Gothic" panose="020B0502020202020204" pitchFamily="34" charset="0"/>
+            </a:endParaRPr>
+          </a:p>
+        </p:txBody>
+      </p:sp>
+    </p:spTree>
+    <p:extLst>
+      <p:ext uri="{BB962C8B-B14F-4D97-AF65-F5344CB8AC3E}">
+        <p14:creationId xmlns:p14="http://schemas.microsoft.com/office/powerpoint/2010/main" val="2354859179"/>
+      </p:ext>
+    </p:extLst>
+  </p:cSld>
+  <p:clrMapOvr>
+    <a:masterClrMapping/>
+  </p:clrMapOvr>
+</p:sld>
+</file>
+
+<file path=ppt/slides/slide6.xml><?xml version="1.0" encoding="utf-8"?>
+<p:sld xmlns:a="http://schemas.openxmlformats.org/drawingml/2006/main" xmlns:r="http://schemas.openxmlformats.org/officeDocument/2006/relationships" xmlns:p="http://schemas.openxmlformats.org/presentationml/2006/main">
+  <p:cSld>
+    <p:bg>
+      <p:bgPr>
+        <a:blipFill>
+          <a:blip r:embed="rId2"/>
+          <a:tile tx="0" ty="0" sx="100000" sy="100000" flip="none" algn="tl"/>
+        </a:blipFill>
+        <a:effectLst/>
+      </p:bgPr>
+    </p:bg>
+    <p:spTree>
+      <p:nvGrpSpPr>
+        <p:cNvPr id="1" name=""/>
+        <p:cNvGrpSpPr/>
+        <p:nvPr/>
+      </p:nvGrpSpPr>
+      <p:grpSpPr>
+        <a:xfrm>
+          <a:off x="0" y="0"/>
+          <a:ext cx="0" cy="0"/>
+          <a:chOff x="0" y="0"/>
+          <a:chExt cx="0" cy="0"/>
+        </a:xfrm>
+      </p:grpSpPr>
+      <p:sp>
+        <p:nvSpPr>
+          <p:cNvPr id="4" name="Rectángulo: esquinas redondeadas 3">
+            <a:extLst>
+              <a:ext uri="{FF2B5EF4-FFF2-40B4-BE49-F238E27FC236}">
+                <a16:creationId xmlns:a16="http://schemas.microsoft.com/office/drawing/2014/main" id="{5581C918-BCB3-413A-881C-052E6D102C74}"/>
+              </a:ext>
+            </a:extLst>
+          </p:cNvPr>
+          <p:cNvSpPr/>
+          <p:nvPr/>
+        </p:nvSpPr>
+        <p:spPr>
+          <a:xfrm>
+            <a:off x="622852" y="357809"/>
+            <a:ext cx="11105322" cy="6135756"/>
+          </a:xfrm>
+          <a:prstGeom prst="roundRect">
+            <a:avLst/>
+          </a:prstGeom>
+          <a:solidFill>
+            <a:schemeClr val="bg1"/>
+          </a:solidFill>
+          <a:ln>
+            <a:solidFill>
+              <a:schemeClr val="accent2"/>
+            </a:solidFill>
+          </a:ln>
+        </p:spPr>
+        <p:style>
+          <a:lnRef idx="2">
+            <a:schemeClr val="accent1">
+              <a:shade val="50000"/>
+            </a:schemeClr>
+          </a:lnRef>
+          <a:fillRef idx="1">
+            <a:schemeClr val="accent1"/>
+          </a:fillRef>
+          <a:effectRef idx="0">
+            <a:schemeClr val="accent1"/>
+          </a:effectRef>
+          <a:fontRef idx="minor">
+            <a:schemeClr val="lt1"/>
+          </a:fontRef>
+        </p:style>
+        <p:txBody>
+          <a:bodyPr rtlCol="0" anchor="ctr"/>
+          <a:lstStyle/>
+          <a:p>
+            <a:pPr algn="ctr"/>
+            <a:endParaRPr lang="es-MX"/>
+          </a:p>
+        </p:txBody>
+      </p:sp>
+      <p:sp>
+        <p:nvSpPr>
+          <p:cNvPr id="5" name="TextBox 27">
+            <a:extLst>
+              <a:ext uri="{FF2B5EF4-FFF2-40B4-BE49-F238E27FC236}">
+                <a16:creationId xmlns:a16="http://schemas.microsoft.com/office/drawing/2014/main" id="{59ED6CEE-49A8-4269-A053-18420485C247}"/>
               </a:ext>
             </a:extLst>
           </p:cNvPr>
@@ -4361,52 +4696,8 @@
         </p:nvSpPr>
         <p:spPr>
           <a:xfrm>
-            <a:off x="6005487" y="5235172"/>
-            <a:ext cx="5427306" cy="338554"/>
-          </a:xfrm>
-          <a:prstGeom prst="rect">
-            <a:avLst/>
-          </a:prstGeom>
-          <a:noFill/>
-          <a:ln>
-            <a:noFill/>
-          </a:ln>
-        </p:spPr>
-        <p:txBody>
-          <a:bodyPr wrap="square" rtlCol="0">
-            <a:spAutoFit/>
-          </a:bodyPr>
-          <a:lstStyle/>
-          <a:p>
-            <a:pPr algn="ctr"/>
-            <a:r>
-              <a:rPr lang="es-MX" sz="1600" b="1" dirty="0">
-                <a:solidFill>
-                  <a:schemeClr val="accent2"/>
-                </a:solidFill>
-                <a:latin typeface="Century Gothic" panose="020B0502020202020204" pitchFamily="34" charset="0"/>
-              </a:rPr>
-              <a:t>Flujo de Ingresos</a:t>
-            </a:r>
-          </a:p>
-        </p:txBody>
-      </p:sp>
-      <p:sp>
-        <p:nvSpPr>
-          <p:cNvPr id="23" name="TextBox 22">
-            <a:extLst>
-              <a:ext uri="{FF2B5EF4-FFF2-40B4-BE49-F238E27FC236}">
-                <a16:creationId xmlns:a16="http://schemas.microsoft.com/office/drawing/2014/main" id="{C9C5B57C-CE28-4BF7-8095-ED24D16A3EB2}"/>
-              </a:ext>
-            </a:extLst>
-          </p:cNvPr>
-          <p:cNvSpPr txBox="1"/>
-          <p:nvPr/>
-        </p:nvSpPr>
-        <p:spPr>
-          <a:xfrm>
-            <a:off x="5989773" y="5685181"/>
-            <a:ext cx="5420301" cy="830997"/>
+            <a:off x="3854865" y="616416"/>
+            <a:ext cx="4641295" cy="584775"/>
           </a:xfrm>
           <a:prstGeom prst="rect">
             <a:avLst/>
@@ -4421,29 +4712,38 @@
           <a:p>
             <a:pPr algn="ctr"/>
             <a:r>
-              <a:rPr lang="es-MX" sz="1200" dirty="0">
-                <a:latin typeface="Century Gothic" panose="020B0502020202020204" pitchFamily="34" charset="0"/>
-              </a:rPr>
-              <a:t>La retribución por nuestros productos se obtendrán mediante el pago de los usuarios a través de la tienda virtual en nuestra página oficial.</a:t>
-            </a:r>
-          </a:p>
-          <a:p>
-            <a:pPr algn="ctr"/>
-            <a:r>
-              <a:rPr lang="es-MX" sz="1200" dirty="0">
-                <a:latin typeface="Century Gothic" panose="020B0502020202020204" pitchFamily="34" charset="0"/>
-              </a:rPr>
-              <a:t>La forma de pago será mediante tarjeta de débito/crédito utilizando el servicio de PayPal. Una forma segura y fácil de pagar.</a:t>
-            </a:r>
-          </a:p>
-        </p:txBody>
-      </p:sp>
-      <p:sp>
-        <p:nvSpPr>
-          <p:cNvPr id="24" name="TextBox 23">
-            <a:extLst>
-              <a:ext uri="{FF2B5EF4-FFF2-40B4-BE49-F238E27FC236}">
-                <a16:creationId xmlns:a16="http://schemas.microsoft.com/office/drawing/2014/main" id="{D813653D-C91A-48A2-8F27-2A3AA927E68B}"/>
+              <a:rPr lang="es-MX" sz="3200" b="1" dirty="0">
+                <a:solidFill>
+                  <a:schemeClr val="accent2"/>
+                </a:solidFill>
+                <a:latin typeface="Century Gothic" panose="020B0502020202020204" pitchFamily="34" charset="0"/>
+              </a:rPr>
+              <a:t>Key </a:t>
+            </a:r>
+            <a:r>
+              <a:rPr lang="es-MX" sz="3200" b="1" dirty="0" err="1">
+                <a:solidFill>
+                  <a:schemeClr val="accent2"/>
+                </a:solidFill>
+                <a:latin typeface="Century Gothic" panose="020B0502020202020204" pitchFamily="34" charset="0"/>
+              </a:rPr>
+              <a:t>activities</a:t>
+            </a:r>
+            <a:endParaRPr lang="es-MX" sz="3200" b="1" dirty="0">
+              <a:solidFill>
+                <a:schemeClr val="accent2"/>
+              </a:solidFill>
+              <a:latin typeface="Century Gothic" panose="020B0502020202020204" pitchFamily="34" charset="0"/>
+            </a:endParaRPr>
+          </a:p>
+        </p:txBody>
+      </p:sp>
+      <p:sp>
+        <p:nvSpPr>
+          <p:cNvPr id="6" name="TextBox 28">
+            <a:extLst>
+              <a:ext uri="{FF2B5EF4-FFF2-40B4-BE49-F238E27FC236}">
+                <a16:creationId xmlns:a16="http://schemas.microsoft.com/office/drawing/2014/main" id="{18EEE638-2941-47D7-835F-9FEBB6684FDF}"/>
               </a:ext>
             </a:extLst>
           </p:cNvPr>
@@ -4452,8 +4752,8 @@
         </p:nvSpPr>
         <p:spPr>
           <a:xfrm>
-            <a:off x="2943230" y="2871925"/>
-            <a:ext cx="2115403" cy="338554"/>
+            <a:off x="3581704" y="2528442"/>
+            <a:ext cx="5028591" cy="2246769"/>
           </a:xfrm>
           <a:prstGeom prst="rect">
             <a:avLst/>
@@ -4468,23 +4768,149 @@
           <a:p>
             <a:pPr algn="ctr"/>
             <a:r>
-              <a:rPr lang="es-MX" sz="1600" b="1" dirty="0">
-                <a:solidFill>
-                  <a:schemeClr val="accent2"/>
-                </a:solidFill>
-                <a:latin typeface="Century Gothic" panose="020B0502020202020204" pitchFamily="34" charset="0"/>
-              </a:rPr>
-              <a:t>Recursos clave</a:t>
-            </a:r>
-          </a:p>
-        </p:txBody>
-      </p:sp>
-      <p:sp>
-        <p:nvSpPr>
-          <p:cNvPr id="25" name="TextBox 24">
-            <a:extLst>
-              <a:ext uri="{FF2B5EF4-FFF2-40B4-BE49-F238E27FC236}">
-                <a16:creationId xmlns:a16="http://schemas.microsoft.com/office/drawing/2014/main" id="{83AB05C1-4ACB-4401-BDA1-8B4DEC9E40EC}"/>
+              <a:rPr lang="en-US" sz="2000" dirty="0">
+                <a:latin typeface="Century Gothic" panose="020B0502020202020204" pitchFamily="34" charset="0"/>
+              </a:rPr>
+              <a:t>Comprehensive research for the development of our products.</a:t>
+            </a:r>
+            <a:br>
+              <a:rPr lang="en-US" sz="2000" dirty="0">
+                <a:latin typeface="Century Gothic" panose="020B0502020202020204" pitchFamily="34" charset="0"/>
+              </a:rPr>
+            </a:br>
+            <a:r>
+              <a:rPr lang="en-US" sz="2000" dirty="0">
+                <a:latin typeface="Century Gothic" panose="020B0502020202020204" pitchFamily="34" charset="0"/>
+              </a:rPr>
+              <a:t>Location of suppliers and partners.</a:t>
+            </a:r>
+            <a:br>
+              <a:rPr lang="en-US" sz="2000" dirty="0">
+                <a:latin typeface="Century Gothic" panose="020B0502020202020204" pitchFamily="34" charset="0"/>
+              </a:rPr>
+            </a:br>
+            <a:r>
+              <a:rPr lang="en-US" sz="2000" dirty="0">
+                <a:latin typeface="Century Gothic" panose="020B0502020202020204" pitchFamily="34" charset="0"/>
+              </a:rPr>
+              <a:t>Implementation of Marketing and business strategies and sales.</a:t>
+            </a:r>
+            <a:br>
+              <a:rPr lang="en-US" sz="2000" dirty="0">
+                <a:latin typeface="Century Gothic" panose="020B0502020202020204" pitchFamily="34" charset="0"/>
+              </a:rPr>
+            </a:br>
+            <a:r>
+              <a:rPr lang="en-US" sz="2000" dirty="0">
+                <a:latin typeface="Century Gothic" panose="020B0502020202020204" pitchFamily="34" charset="0"/>
+              </a:rPr>
+              <a:t>Final tests of quality and satisfaction to guarantee an excellent experience.</a:t>
+            </a:r>
+            <a:endParaRPr lang="es-MX" sz="2400" dirty="0">
+              <a:latin typeface="Century Gothic" panose="020B0502020202020204" pitchFamily="34" charset="0"/>
+            </a:endParaRPr>
+          </a:p>
+        </p:txBody>
+      </p:sp>
+    </p:spTree>
+    <p:extLst>
+      <p:ext uri="{BB962C8B-B14F-4D97-AF65-F5344CB8AC3E}">
+        <p14:creationId xmlns:p14="http://schemas.microsoft.com/office/powerpoint/2010/main" val="814936560"/>
+      </p:ext>
+    </p:extLst>
+  </p:cSld>
+  <p:clrMapOvr>
+    <a:masterClrMapping/>
+  </p:clrMapOvr>
+</p:sld>
+</file>
+
+<file path=ppt/slides/slide7.xml><?xml version="1.0" encoding="utf-8"?>
+<p:sld xmlns:a="http://schemas.openxmlformats.org/drawingml/2006/main" xmlns:r="http://schemas.openxmlformats.org/officeDocument/2006/relationships" xmlns:p="http://schemas.openxmlformats.org/presentationml/2006/main">
+  <p:cSld>
+    <p:bg>
+      <p:bgPr>
+        <a:blipFill>
+          <a:blip r:embed="rId2"/>
+          <a:tile tx="0" ty="0" sx="100000" sy="100000" flip="none" algn="tl"/>
+        </a:blipFill>
+        <a:effectLst/>
+      </p:bgPr>
+    </p:bg>
+    <p:spTree>
+      <p:nvGrpSpPr>
+        <p:cNvPr id="1" name=""/>
+        <p:cNvGrpSpPr/>
+        <p:nvPr/>
+      </p:nvGrpSpPr>
+      <p:grpSpPr>
+        <a:xfrm>
+          <a:off x="0" y="0"/>
+          <a:ext cx="0" cy="0"/>
+          <a:chOff x="0" y="0"/>
+          <a:chExt cx="0" cy="0"/>
+        </a:xfrm>
+      </p:grpSpPr>
+      <p:sp>
+        <p:nvSpPr>
+          <p:cNvPr id="4" name="Rectángulo: esquinas redondeadas 3">
+            <a:extLst>
+              <a:ext uri="{FF2B5EF4-FFF2-40B4-BE49-F238E27FC236}">
+                <a16:creationId xmlns:a16="http://schemas.microsoft.com/office/drawing/2014/main" id="{7824A2F4-22FA-45F8-A871-DEA7B575B299}"/>
+              </a:ext>
+            </a:extLst>
+          </p:cNvPr>
+          <p:cNvSpPr/>
+          <p:nvPr/>
+        </p:nvSpPr>
+        <p:spPr>
+          <a:xfrm>
+            <a:off x="622852" y="357809"/>
+            <a:ext cx="11105322" cy="6135756"/>
+          </a:xfrm>
+          <a:prstGeom prst="roundRect">
+            <a:avLst/>
+          </a:prstGeom>
+          <a:solidFill>
+            <a:schemeClr val="bg1"/>
+          </a:solidFill>
+          <a:ln>
+            <a:solidFill>
+              <a:schemeClr val="accent2"/>
+            </a:solidFill>
+          </a:ln>
+        </p:spPr>
+        <p:style>
+          <a:lnRef idx="2">
+            <a:schemeClr val="accent1">
+              <a:shade val="50000"/>
+            </a:schemeClr>
+          </a:lnRef>
+          <a:fillRef idx="1">
+            <a:schemeClr val="accent1"/>
+          </a:fillRef>
+          <a:effectRef idx="0">
+            <a:schemeClr val="accent1"/>
+          </a:effectRef>
+          <a:fontRef idx="minor">
+            <a:schemeClr val="lt1"/>
+          </a:fontRef>
+        </p:style>
+        <p:txBody>
+          <a:bodyPr rtlCol="0" anchor="ctr"/>
+          <a:lstStyle/>
+          <a:p>
+            <a:pPr algn="ctr"/>
+            <a:endParaRPr lang="es-MX"/>
+          </a:p>
+        </p:txBody>
+      </p:sp>
+      <p:sp>
+        <p:nvSpPr>
+          <p:cNvPr id="5" name="TextBox 23">
+            <a:extLst>
+              <a:ext uri="{FF2B5EF4-FFF2-40B4-BE49-F238E27FC236}">
+                <a16:creationId xmlns:a16="http://schemas.microsoft.com/office/drawing/2014/main" id="{7A7405DB-D398-45F9-A866-785E8D48F8F3}"/>
               </a:ext>
             </a:extLst>
           </p:cNvPr>
@@ -4493,8 +4919,8 @@
         </p:nvSpPr>
         <p:spPr>
           <a:xfrm>
-            <a:off x="2940871" y="3246788"/>
-            <a:ext cx="2123505" cy="1938992"/>
+            <a:off x="4287702" y="579299"/>
+            <a:ext cx="3616596" cy="584775"/>
           </a:xfrm>
           <a:prstGeom prst="rect">
             <a:avLst/>
@@ -4509,20 +4935,38 @@
           <a:p>
             <a:pPr algn="ctr"/>
             <a:r>
-              <a:rPr lang="es-MX" sz="1200" dirty="0">
-                <a:latin typeface="Century Gothic" panose="020B0502020202020204" pitchFamily="34" charset="0"/>
-              </a:rPr>
-              <a:t>Para lograr fabricar los productos se necesitará mano de obra especializada, tales como Ingenieros y Licenciados, un lugar adecuado para el desarrollo de este y el material necesario para su producción.</a:t>
-            </a:r>
-          </a:p>
-        </p:txBody>
-      </p:sp>
-      <p:sp>
-        <p:nvSpPr>
-          <p:cNvPr id="26" name="TextBox 25">
-            <a:extLst>
-              <a:ext uri="{FF2B5EF4-FFF2-40B4-BE49-F238E27FC236}">
-                <a16:creationId xmlns:a16="http://schemas.microsoft.com/office/drawing/2014/main" id="{4CF5A6C1-F0BA-4249-AB57-98E7A23749B4}"/>
+              <a:rPr lang="es-MX" sz="3200" b="1" dirty="0">
+                <a:solidFill>
+                  <a:schemeClr val="accent2"/>
+                </a:solidFill>
+                <a:latin typeface="Century Gothic" panose="020B0502020202020204" pitchFamily="34" charset="0"/>
+              </a:rPr>
+              <a:t>Key </a:t>
+            </a:r>
+            <a:r>
+              <a:rPr lang="es-MX" sz="3200" b="1" dirty="0" err="1">
+                <a:solidFill>
+                  <a:schemeClr val="accent2"/>
+                </a:solidFill>
+                <a:latin typeface="Century Gothic" panose="020B0502020202020204" pitchFamily="34" charset="0"/>
+              </a:rPr>
+              <a:t>resources</a:t>
+            </a:r>
+            <a:endParaRPr lang="es-MX" sz="3200" b="1" dirty="0">
+              <a:solidFill>
+                <a:schemeClr val="accent2"/>
+              </a:solidFill>
+              <a:latin typeface="Century Gothic" panose="020B0502020202020204" pitchFamily="34" charset="0"/>
+            </a:endParaRPr>
+          </a:p>
+        </p:txBody>
+      </p:sp>
+      <p:sp>
+        <p:nvSpPr>
+          <p:cNvPr id="6" name="TextBox 24">
+            <a:extLst>
+              <a:ext uri="{FF2B5EF4-FFF2-40B4-BE49-F238E27FC236}">
+                <a16:creationId xmlns:a16="http://schemas.microsoft.com/office/drawing/2014/main" id="{7C80F423-F035-481A-9F36-35CE45AB1EA0}"/>
               </a:ext>
             </a:extLst>
           </p:cNvPr>
@@ -4531,8 +4975,8 @@
         </p:nvSpPr>
         <p:spPr>
           <a:xfrm>
-            <a:off x="811452" y="439589"/>
-            <a:ext cx="2115403" cy="338554"/>
+            <a:off x="2834853" y="2763967"/>
+            <a:ext cx="6878990" cy="1323439"/>
           </a:xfrm>
           <a:prstGeom prst="rect">
             <a:avLst/>
@@ -4547,23 +4991,116 @@
           <a:p>
             <a:pPr algn="ctr"/>
             <a:r>
-              <a:rPr lang="es-MX" sz="1600" b="1" dirty="0">
-                <a:solidFill>
-                  <a:schemeClr val="accent2"/>
-                </a:solidFill>
-                <a:latin typeface="Century Gothic" panose="020B0502020202020204" pitchFamily="34" charset="0"/>
-              </a:rPr>
-              <a:t>Socios clave</a:t>
-            </a:r>
-          </a:p>
-        </p:txBody>
-      </p:sp>
-      <p:sp>
-        <p:nvSpPr>
-          <p:cNvPr id="27" name="TextBox 26">
-            <a:extLst>
-              <a:ext uri="{FF2B5EF4-FFF2-40B4-BE49-F238E27FC236}">
-                <a16:creationId xmlns:a16="http://schemas.microsoft.com/office/drawing/2014/main" id="{3798F32A-0000-4CB1-B1C5-685C36B2BBD3}"/>
+              <a:rPr lang="en-US" sz="2000" dirty="0">
+                <a:latin typeface="Century Gothic" panose="020B0502020202020204" pitchFamily="34" charset="0"/>
+              </a:rPr>
+              <a:t>To achieve the manufacture of the products will require specialized labor, such as Engineers and Graduates, a suitable place for the development of this and the necessary material for its production.</a:t>
+            </a:r>
+            <a:endParaRPr lang="es-MX" sz="2000" dirty="0">
+              <a:latin typeface="Century Gothic" panose="020B0502020202020204" pitchFamily="34" charset="0"/>
+            </a:endParaRPr>
+          </a:p>
+        </p:txBody>
+      </p:sp>
+    </p:spTree>
+    <p:extLst>
+      <p:ext uri="{BB962C8B-B14F-4D97-AF65-F5344CB8AC3E}">
+        <p14:creationId xmlns:p14="http://schemas.microsoft.com/office/powerpoint/2010/main" val="4222590321"/>
+      </p:ext>
+    </p:extLst>
+  </p:cSld>
+  <p:clrMapOvr>
+    <a:masterClrMapping/>
+  </p:clrMapOvr>
+</p:sld>
+</file>
+
+<file path=ppt/slides/slide8.xml><?xml version="1.0" encoding="utf-8"?>
+<p:sld xmlns:a="http://schemas.openxmlformats.org/drawingml/2006/main" xmlns:r="http://schemas.openxmlformats.org/officeDocument/2006/relationships" xmlns:p="http://schemas.openxmlformats.org/presentationml/2006/main">
+  <p:cSld>
+    <p:bg>
+      <p:bgPr>
+        <a:blipFill>
+          <a:blip r:embed="rId2"/>
+          <a:tile tx="0" ty="0" sx="100000" sy="100000" flip="none" algn="tl"/>
+        </a:blipFill>
+        <a:effectLst/>
+      </p:bgPr>
+    </p:bg>
+    <p:spTree>
+      <p:nvGrpSpPr>
+        <p:cNvPr id="1" name=""/>
+        <p:cNvGrpSpPr/>
+        <p:nvPr/>
+      </p:nvGrpSpPr>
+      <p:grpSpPr>
+        <a:xfrm>
+          <a:off x="0" y="0"/>
+          <a:ext cx="0" cy="0"/>
+          <a:chOff x="0" y="0"/>
+          <a:chExt cx="0" cy="0"/>
+        </a:xfrm>
+      </p:grpSpPr>
+      <p:sp>
+        <p:nvSpPr>
+          <p:cNvPr id="4" name="Rectángulo: esquinas redondeadas 3">
+            <a:extLst>
+              <a:ext uri="{FF2B5EF4-FFF2-40B4-BE49-F238E27FC236}">
+                <a16:creationId xmlns:a16="http://schemas.microsoft.com/office/drawing/2014/main" id="{0A8C2615-1F71-43F0-B8DC-2105A097A09D}"/>
+              </a:ext>
+            </a:extLst>
+          </p:cNvPr>
+          <p:cNvSpPr/>
+          <p:nvPr/>
+        </p:nvSpPr>
+        <p:spPr>
+          <a:xfrm>
+            <a:off x="622852" y="357809"/>
+            <a:ext cx="11105322" cy="6135756"/>
+          </a:xfrm>
+          <a:prstGeom prst="roundRect">
+            <a:avLst/>
+          </a:prstGeom>
+          <a:solidFill>
+            <a:schemeClr val="bg1"/>
+          </a:solidFill>
+          <a:ln>
+            <a:solidFill>
+              <a:schemeClr val="accent2"/>
+            </a:solidFill>
+          </a:ln>
+        </p:spPr>
+        <p:style>
+          <a:lnRef idx="2">
+            <a:schemeClr val="accent1">
+              <a:shade val="50000"/>
+            </a:schemeClr>
+          </a:lnRef>
+          <a:fillRef idx="1">
+            <a:schemeClr val="accent1"/>
+          </a:fillRef>
+          <a:effectRef idx="0">
+            <a:schemeClr val="accent1"/>
+          </a:effectRef>
+          <a:fontRef idx="minor">
+            <a:schemeClr val="lt1"/>
+          </a:fontRef>
+        </p:style>
+        <p:txBody>
+          <a:bodyPr rtlCol="0" anchor="ctr"/>
+          <a:lstStyle/>
+          <a:p>
+            <a:pPr algn="ctr"/>
+            <a:endParaRPr lang="es-MX"/>
+          </a:p>
+        </p:txBody>
+      </p:sp>
+      <p:sp>
+        <p:nvSpPr>
+          <p:cNvPr id="5" name="TextBox 25">
+            <a:extLst>
+              <a:ext uri="{FF2B5EF4-FFF2-40B4-BE49-F238E27FC236}">
+                <a16:creationId xmlns:a16="http://schemas.microsoft.com/office/drawing/2014/main" id="{085AE8D9-02CD-48DB-BC8A-989AD0C5BEBB}"/>
               </a:ext>
             </a:extLst>
           </p:cNvPr>
@@ -4572,8 +5109,8 @@
         </p:nvSpPr>
         <p:spPr>
           <a:xfrm>
-            <a:off x="814021" y="1034262"/>
-            <a:ext cx="2115402" cy="3416320"/>
+            <a:off x="4739187" y="629447"/>
+            <a:ext cx="2713626" cy="584775"/>
           </a:xfrm>
           <a:prstGeom prst="rect">
             <a:avLst/>
@@ -4588,29 +5125,38 @@
           <a:p>
             <a:pPr algn="ctr"/>
             <a:r>
-              <a:rPr lang="es-MX" sz="1200" dirty="0">
-                <a:latin typeface="Century Gothic" panose="020B0502020202020204" pitchFamily="34" charset="0"/>
-              </a:rPr>
-              <a:t>Se requerirá de una alianza con Meragro, ubicada en la ciudad de Tuxtla Gutiérrez, ya que es una de las empresas líderes en el área veterinaria, para dar a conocer nuestros productos e impulsar ventas.</a:t>
-            </a:r>
-          </a:p>
-          <a:p>
-            <a:pPr algn="ctr"/>
-            <a:r>
-              <a:rPr lang="es-MX" sz="1200" dirty="0">
-                <a:latin typeface="Century Gothic" panose="020B0502020202020204" pitchFamily="34" charset="0"/>
-              </a:rPr>
-              <a:t>También tendremos proveedores para los diferentes componentes de los productos y requeriremos del uso de los servicios de paquetería de Estafeta, DHL o FedEx.</a:t>
-            </a:r>
-          </a:p>
-        </p:txBody>
-      </p:sp>
-      <p:sp>
-        <p:nvSpPr>
-          <p:cNvPr id="28" name="TextBox 27">
-            <a:extLst>
-              <a:ext uri="{FF2B5EF4-FFF2-40B4-BE49-F238E27FC236}">
-                <a16:creationId xmlns:a16="http://schemas.microsoft.com/office/drawing/2014/main" id="{6FFA094B-F740-4CA8-B05C-58C8E7400FF0}"/>
+              <a:rPr lang="es-MX" sz="3200" b="1" dirty="0">
+                <a:solidFill>
+                  <a:schemeClr val="accent2"/>
+                </a:solidFill>
+                <a:latin typeface="Century Gothic" panose="020B0502020202020204" pitchFamily="34" charset="0"/>
+              </a:rPr>
+              <a:t>Key </a:t>
+            </a:r>
+            <a:r>
+              <a:rPr lang="es-MX" sz="3200" b="1" dirty="0" err="1">
+                <a:solidFill>
+                  <a:schemeClr val="accent2"/>
+                </a:solidFill>
+                <a:latin typeface="Century Gothic" panose="020B0502020202020204" pitchFamily="34" charset="0"/>
+              </a:rPr>
+              <a:t>partners</a:t>
+            </a:r>
+            <a:endParaRPr lang="es-MX" sz="3200" b="1" dirty="0">
+              <a:solidFill>
+                <a:schemeClr val="accent2"/>
+              </a:solidFill>
+              <a:latin typeface="Century Gothic" panose="020B0502020202020204" pitchFamily="34" charset="0"/>
+            </a:endParaRPr>
+          </a:p>
+        </p:txBody>
+      </p:sp>
+      <p:sp>
+        <p:nvSpPr>
+          <p:cNvPr id="6" name="TextBox 26">
+            <a:extLst>
+              <a:ext uri="{FF2B5EF4-FFF2-40B4-BE49-F238E27FC236}">
+                <a16:creationId xmlns:a16="http://schemas.microsoft.com/office/drawing/2014/main" id="{6B0CF8DA-6D42-4404-987B-33515B7EAA67}"/>
               </a:ext>
             </a:extLst>
           </p:cNvPr>
@@ -4619,8 +5165,8 @@
         </p:nvSpPr>
         <p:spPr>
           <a:xfrm>
-            <a:off x="2938948" y="444138"/>
-            <a:ext cx="2115403" cy="338554"/>
+            <a:off x="2441219" y="2611270"/>
+            <a:ext cx="7468588" cy="2246769"/>
           </a:xfrm>
           <a:prstGeom prst="rect">
             <a:avLst/>
@@ -4635,23 +5181,151 @@
           <a:p>
             <a:pPr algn="ctr"/>
             <a:r>
-              <a:rPr lang="es-MX" sz="1600" b="1" dirty="0">
-                <a:solidFill>
-                  <a:schemeClr val="accent2"/>
-                </a:solidFill>
-                <a:latin typeface="Century Gothic" panose="020B0502020202020204" pitchFamily="34" charset="0"/>
-              </a:rPr>
-              <a:t>Actividades clave</a:t>
-            </a:r>
-          </a:p>
-        </p:txBody>
-      </p:sp>
-      <p:sp>
-        <p:nvSpPr>
-          <p:cNvPr id="29" name="TextBox 28">
-            <a:extLst>
-              <a:ext uri="{FF2B5EF4-FFF2-40B4-BE49-F238E27FC236}">
-                <a16:creationId xmlns:a16="http://schemas.microsoft.com/office/drawing/2014/main" id="{F41C2601-BADE-42A1-8F14-844D20400F8C}"/>
+              <a:rPr lang="en-US" sz="2000" dirty="0">
+                <a:latin typeface="Century Gothic" panose="020B0502020202020204" pitchFamily="34" charset="0"/>
+              </a:rPr>
+              <a:t>It will require an alliance with </a:t>
+            </a:r>
+            <a:r>
+              <a:rPr lang="en-US" sz="2000" dirty="0" err="1">
+                <a:latin typeface="Century Gothic" panose="020B0502020202020204" pitchFamily="34" charset="0"/>
+              </a:rPr>
+              <a:t>Meragro</a:t>
+            </a:r>
+            <a:r>
+              <a:rPr lang="en-US" sz="2000" dirty="0">
+                <a:latin typeface="Century Gothic" panose="020B0502020202020204" pitchFamily="34" charset="0"/>
+              </a:rPr>
+              <a:t>, located in the city of Tuxtla Gutiérrez, as it is one of the leading companies in the veterinary area, to publicize our products and boost sales.</a:t>
+            </a:r>
+            <a:br>
+              <a:rPr lang="en-US" sz="2000" dirty="0">
+                <a:latin typeface="Century Gothic" panose="020B0502020202020204" pitchFamily="34" charset="0"/>
+              </a:rPr>
+            </a:br>
+            <a:r>
+              <a:rPr lang="en-US" sz="2000" dirty="0">
+                <a:latin typeface="Century Gothic" panose="020B0502020202020204" pitchFamily="34" charset="0"/>
+              </a:rPr>
+              <a:t>We will also have suppliers for the different components of the products and we will require the use of </a:t>
+            </a:r>
+            <a:r>
+              <a:rPr lang="en-US" sz="2000" dirty="0" err="1">
+                <a:latin typeface="Century Gothic" panose="020B0502020202020204" pitchFamily="34" charset="0"/>
+              </a:rPr>
+              <a:t>Estafeta</a:t>
+            </a:r>
+            <a:r>
+              <a:rPr lang="en-US" sz="2000" dirty="0">
+                <a:latin typeface="Century Gothic" panose="020B0502020202020204" pitchFamily="34" charset="0"/>
+              </a:rPr>
+              <a:t>, DHL or FedEx parcel services.</a:t>
+            </a:r>
+            <a:endParaRPr lang="es-MX" sz="2000" dirty="0">
+              <a:latin typeface="Century Gothic" panose="020B0502020202020204" pitchFamily="34" charset="0"/>
+            </a:endParaRPr>
+          </a:p>
+        </p:txBody>
+      </p:sp>
+    </p:spTree>
+    <p:extLst>
+      <p:ext uri="{BB962C8B-B14F-4D97-AF65-F5344CB8AC3E}">
+        <p14:creationId xmlns:p14="http://schemas.microsoft.com/office/powerpoint/2010/main" val="655701369"/>
+      </p:ext>
+    </p:extLst>
+  </p:cSld>
+  <p:clrMapOvr>
+    <a:masterClrMapping/>
+  </p:clrMapOvr>
+</p:sld>
+</file>
+
+<file path=ppt/slides/slide9.xml><?xml version="1.0" encoding="utf-8"?>
+<p:sld xmlns:a="http://schemas.openxmlformats.org/drawingml/2006/main" xmlns:r="http://schemas.openxmlformats.org/officeDocument/2006/relationships" xmlns:p="http://schemas.openxmlformats.org/presentationml/2006/main">
+  <p:cSld>
+    <p:bg>
+      <p:bgPr>
+        <a:blipFill>
+          <a:blip r:embed="rId2"/>
+          <a:tile tx="0" ty="0" sx="100000" sy="100000" flip="none" algn="tl"/>
+        </a:blipFill>
+        <a:effectLst/>
+      </p:bgPr>
+    </p:bg>
+    <p:spTree>
+      <p:nvGrpSpPr>
+        <p:cNvPr id="1" name=""/>
+        <p:cNvGrpSpPr/>
+        <p:nvPr/>
+      </p:nvGrpSpPr>
+      <p:grpSpPr>
+        <a:xfrm>
+          <a:off x="0" y="0"/>
+          <a:ext cx="0" cy="0"/>
+          <a:chOff x="0" y="0"/>
+          <a:chExt cx="0" cy="0"/>
+        </a:xfrm>
+      </p:grpSpPr>
+      <p:sp>
+        <p:nvSpPr>
+          <p:cNvPr id="4" name="Rectángulo: esquinas redondeadas 3">
+            <a:extLst>
+              <a:ext uri="{FF2B5EF4-FFF2-40B4-BE49-F238E27FC236}">
+                <a16:creationId xmlns:a16="http://schemas.microsoft.com/office/drawing/2014/main" id="{268BF3E6-8104-4042-8591-644477124228}"/>
+              </a:ext>
+            </a:extLst>
+          </p:cNvPr>
+          <p:cNvSpPr/>
+          <p:nvPr/>
+        </p:nvSpPr>
+        <p:spPr>
+          <a:xfrm>
+            <a:off x="622852" y="357809"/>
+            <a:ext cx="11105322" cy="6135756"/>
+          </a:xfrm>
+          <a:prstGeom prst="roundRect">
+            <a:avLst/>
+          </a:prstGeom>
+          <a:solidFill>
+            <a:schemeClr val="bg1"/>
+          </a:solidFill>
+          <a:ln>
+            <a:solidFill>
+              <a:schemeClr val="accent2"/>
+            </a:solidFill>
+          </a:ln>
+        </p:spPr>
+        <p:style>
+          <a:lnRef idx="2">
+            <a:schemeClr val="accent1">
+              <a:shade val="50000"/>
+            </a:schemeClr>
+          </a:lnRef>
+          <a:fillRef idx="1">
+            <a:schemeClr val="accent1"/>
+          </a:fillRef>
+          <a:effectRef idx="0">
+            <a:schemeClr val="accent1"/>
+          </a:effectRef>
+          <a:fontRef idx="minor">
+            <a:schemeClr val="lt1"/>
+          </a:fontRef>
+        </p:style>
+        <p:txBody>
+          <a:bodyPr rtlCol="0" anchor="ctr"/>
+          <a:lstStyle/>
+          <a:p>
+            <a:pPr algn="ctr"/>
+            <a:endParaRPr lang="es-MX"/>
+          </a:p>
+        </p:txBody>
+      </p:sp>
+      <p:sp>
+        <p:nvSpPr>
+          <p:cNvPr id="5" name="TextBox 29">
+            <a:extLst>
+              <a:ext uri="{FF2B5EF4-FFF2-40B4-BE49-F238E27FC236}">
+                <a16:creationId xmlns:a16="http://schemas.microsoft.com/office/drawing/2014/main" id="{0066C461-A083-46D4-A7E4-F93239627C37}"/>
               </a:ext>
             </a:extLst>
           </p:cNvPr>
@@ -4660,8 +5334,8 @@
         </p:nvSpPr>
         <p:spPr>
           <a:xfrm>
-            <a:off x="2939764" y="819001"/>
-            <a:ext cx="2105878" cy="2139047"/>
+            <a:off x="3589568" y="640459"/>
+            <a:ext cx="5171889" cy="584775"/>
           </a:xfrm>
           <a:prstGeom prst="rect">
             <a:avLst/>
@@ -4676,42 +5350,36 @@
           <a:p>
             <a:pPr algn="ctr"/>
             <a:r>
-              <a:rPr lang="es-MX" sz="1100" dirty="0">
-                <a:latin typeface="Century Gothic" panose="020B0502020202020204" pitchFamily="34" charset="0"/>
-              </a:rPr>
-              <a:t>Investigación exhaustiva para el desarrollo de los productos.</a:t>
-            </a:r>
-          </a:p>
-          <a:p>
-            <a:pPr algn="ctr"/>
-            <a:r>
-              <a:rPr lang="es-MX" sz="1100" dirty="0">
-                <a:latin typeface="Century Gothic" panose="020B0502020202020204" pitchFamily="34" charset="0"/>
-              </a:rPr>
-              <a:t>Localización de los proveedores y socios.</a:t>
-            </a:r>
-          </a:p>
-          <a:p>
-            <a:pPr algn="ctr"/>
-            <a:r>
-              <a:rPr lang="es-MX" sz="1100" dirty="0">
-                <a:latin typeface="Century Gothic" panose="020B0502020202020204" pitchFamily="34" charset="0"/>
-              </a:rPr>
-              <a:t>Implementación de Marketing y estrategias de negocio y ventas.</a:t>
-            </a:r>
-          </a:p>
-          <a:p>
-            <a:pPr algn="ctr"/>
-            <a:r>
-              <a:rPr lang="es-MX" sz="1100" dirty="0">
-                <a:latin typeface="Century Gothic" panose="020B0502020202020204" pitchFamily="34" charset="0"/>
-              </a:rPr>
-              <a:t>Pruebas finales de calidad y satisfacción para garantizar una experiencia excelente.</a:t>
-            </a:r>
-          </a:p>
-          <a:p>
-            <a:pPr algn="ctr"/>
-            <a:endParaRPr lang="es-MX" sz="1200" dirty="0">
+              <a:rPr lang="es-MX" sz="3200" b="1" dirty="0" err="1">
+                <a:solidFill>
+                  <a:schemeClr val="accent2"/>
+                </a:solidFill>
+                <a:latin typeface="Century Gothic" panose="020B0502020202020204" pitchFamily="34" charset="0"/>
+              </a:rPr>
+              <a:t>Cost</a:t>
+            </a:r>
+            <a:r>
+              <a:rPr lang="es-MX" sz="3200" b="1" dirty="0">
+                <a:solidFill>
+                  <a:schemeClr val="accent2"/>
+                </a:solidFill>
+                <a:latin typeface="Century Gothic" panose="020B0502020202020204" pitchFamily="34" charset="0"/>
+              </a:rPr>
+              <a:t> </a:t>
+            </a:r>
+            <a:r>
+              <a:rPr lang="es-MX" sz="3200" b="1" dirty="0" err="1">
+                <a:solidFill>
+                  <a:schemeClr val="accent2"/>
+                </a:solidFill>
+                <a:latin typeface="Century Gothic" panose="020B0502020202020204" pitchFamily="34" charset="0"/>
+              </a:rPr>
+              <a:t>structure</a:t>
+            </a:r>
+            <a:endParaRPr lang="es-MX" sz="3200" b="1" dirty="0">
+              <a:solidFill>
+                <a:schemeClr val="accent2"/>
+              </a:solidFill>
               <a:latin typeface="Century Gothic" panose="020B0502020202020204" pitchFamily="34" charset="0"/>
             </a:endParaRPr>
           </a:p>
@@ -4719,10 +5387,10 @@
       </p:sp>
       <p:sp>
         <p:nvSpPr>
-          <p:cNvPr id="30" name="TextBox 29">
-            <a:extLst>
-              <a:ext uri="{FF2B5EF4-FFF2-40B4-BE49-F238E27FC236}">
-                <a16:creationId xmlns:a16="http://schemas.microsoft.com/office/drawing/2014/main" id="{83576ED5-4A72-4811-B055-25ECA1B0DEB3}"/>
+          <p:cNvPr id="6" name="TextBox 30">
+            <a:extLst>
+              <a:ext uri="{FF2B5EF4-FFF2-40B4-BE49-F238E27FC236}">
+                <a16:creationId xmlns:a16="http://schemas.microsoft.com/office/drawing/2014/main" id="{09A0D723-A122-479F-BAFC-8C65079385EB}"/>
               </a:ext>
             </a:extLst>
           </p:cNvPr>
@@ -4731,8 +5399,8 @@
         </p:nvSpPr>
         <p:spPr>
           <a:xfrm>
-            <a:off x="826603" y="5238963"/>
-            <a:ext cx="5171889" cy="338554"/>
+            <a:off x="3505034" y="3313973"/>
+            <a:ext cx="5181932" cy="1323439"/>
           </a:xfrm>
           <a:prstGeom prst="rect">
             <a:avLst/>
@@ -4747,59 +5415,21 @@
           <a:p>
             <a:pPr algn="ctr"/>
             <a:r>
-              <a:rPr lang="es-MX" sz="1600" b="1" dirty="0">
-                <a:solidFill>
-                  <a:schemeClr val="accent2"/>
-                </a:solidFill>
-                <a:latin typeface="Century Gothic" panose="020B0502020202020204" pitchFamily="34" charset="0"/>
-              </a:rPr>
-              <a:t>Estructura de costes</a:t>
-            </a:r>
-          </a:p>
-        </p:txBody>
-      </p:sp>
-      <p:sp>
-        <p:nvSpPr>
-          <p:cNvPr id="31" name="TextBox 30">
-            <a:extLst>
-              <a:ext uri="{FF2B5EF4-FFF2-40B4-BE49-F238E27FC236}">
-                <a16:creationId xmlns:a16="http://schemas.microsoft.com/office/drawing/2014/main" id="{D99585C4-54A7-4754-98EC-E5D648C10426}"/>
-              </a:ext>
-            </a:extLst>
-          </p:cNvPr>
-          <p:cNvSpPr txBox="1"/>
-          <p:nvPr/>
-        </p:nvSpPr>
-        <p:spPr>
-          <a:xfrm>
-            <a:off x="807842" y="5779677"/>
-            <a:ext cx="5181932" cy="646331"/>
-          </a:xfrm>
-          <a:prstGeom prst="rect">
-            <a:avLst/>
-          </a:prstGeom>
-          <a:noFill/>
-        </p:spPr>
-        <p:txBody>
-          <a:bodyPr wrap="square" rtlCol="0">
-            <a:spAutoFit/>
-          </a:bodyPr>
-          <a:lstStyle/>
-          <a:p>
-            <a:pPr algn="ctr"/>
-            <a:r>
-              <a:rPr lang="es-MX" sz="1200" dirty="0">
-                <a:latin typeface="Century Gothic" panose="020B0502020202020204" pitchFamily="34" charset="0"/>
-              </a:rPr>
-              <a:t>Haciendo una estimación de costes generales para el desarrollo y producción de nuestras dos líneas de productos, calculamos un total de $60’000</a:t>
-            </a:r>
+              <a:rPr lang="en-US" sz="2000" dirty="0">
+                <a:latin typeface="Century Gothic" panose="020B0502020202020204" pitchFamily="34" charset="0"/>
+              </a:rPr>
+              <a:t>By estimating overall costs for the development and production of our two product lines, we calculate a total of $ 60'000</a:t>
+            </a:r>
+            <a:endParaRPr lang="es-MX" sz="2000" dirty="0">
+              <a:latin typeface="Century Gothic" panose="020B0502020202020204" pitchFamily="34" charset="0"/>
+            </a:endParaRPr>
           </a:p>
         </p:txBody>
       </p:sp>
     </p:spTree>
     <p:extLst>
       <p:ext uri="{BB962C8B-B14F-4D97-AF65-F5344CB8AC3E}">
-        <p14:creationId xmlns:p14="http://schemas.microsoft.com/office/powerpoint/2010/main" val="3765935929"/>
+        <p14:creationId xmlns:p14="http://schemas.microsoft.com/office/powerpoint/2010/main" val="663953567"/>
       </p:ext>
     </p:extLst>
   </p:cSld>
